--- a/발표자료.pptx
+++ b/발표자료.pptx
@@ -9763,8 +9763,8 @@
           </a:p>
           <a:p>
             <a:r>
-              <a:rPr lang="ko-KR" altLang="en-US" dirty="0" smtClean="0"/>
-              <a:t>예약</a:t>
+              <a:rPr lang="ko-KR" altLang="en-US" dirty="0" err="1" smtClean="0"/>
+              <a:t>예약요청</a:t>
             </a:r>
             <a:r>
               <a:rPr lang="en-US" altLang="ko-KR" dirty="0" smtClean="0"/>
@@ -9772,7 +9772,7 @@
             </a:r>
             <a:r>
               <a:rPr lang="ko-KR" altLang="en-US" dirty="0" err="1" smtClean="0"/>
-              <a:t>결제승인</a:t>
+              <a:t>결제요청</a:t>
             </a:r>
             <a:r>
               <a:rPr lang="en-US" altLang="ko-KR" dirty="0" smtClean="0"/>
@@ -9847,7 +9847,7 @@
         </p:nvSpPr>
         <p:spPr>
           <a:xfrm>
-            <a:off x="409575" y="2353061"/>
+            <a:off x="1295400" y="2482096"/>
             <a:ext cx="2200275" cy="256789"/>
           </a:xfrm>
           <a:prstGeom prst="rect">
@@ -9893,8 +9893,8 @@
         </p:nvSpPr>
         <p:spPr>
           <a:xfrm>
-            <a:off x="432609" y="2609850"/>
-            <a:ext cx="2824941" cy="256789"/>
+            <a:off x="9643284" y="2662299"/>
+            <a:ext cx="2215341" cy="256789"/>
           </a:xfrm>
           <a:prstGeom prst="rect">
             <a:avLst/>
@@ -9939,7 +9939,7 @@
         </p:nvSpPr>
         <p:spPr>
           <a:xfrm>
-            <a:off x="499284" y="2964321"/>
+            <a:off x="8662209" y="2998536"/>
             <a:ext cx="3196416" cy="256789"/>
           </a:xfrm>
           <a:prstGeom prst="rect">

--- a/발표자료.pptx
+++ b/발표자료.pptx
@@ -5,7 +5,7 @@
     <p:sldMasterId id="2147483648" r:id="rId1"/>
   </p:sldMasterIdLst>
   <p:notesMasterIdLst>
-    <p:notesMasterId r:id="rId32"/>
+    <p:notesMasterId r:id="rId34"/>
   </p:notesMasterIdLst>
   <p:sldIdLst>
     <p:sldId id="256" r:id="rId2"/>
@@ -32,12 +32,14 @@
     <p:sldId id="278" r:id="rId23"/>
     <p:sldId id="280" r:id="rId24"/>
     <p:sldId id="279" r:id="rId25"/>
-    <p:sldId id="287" r:id="rId26"/>
-    <p:sldId id="288" r:id="rId27"/>
-    <p:sldId id="283" r:id="rId28"/>
-    <p:sldId id="284" r:id="rId29"/>
-    <p:sldId id="289" r:id="rId30"/>
-    <p:sldId id="285" r:id="rId31"/>
+    <p:sldId id="291" r:id="rId26"/>
+    <p:sldId id="292" r:id="rId27"/>
+    <p:sldId id="287" r:id="rId28"/>
+    <p:sldId id="288" r:id="rId29"/>
+    <p:sldId id="283" r:id="rId30"/>
+    <p:sldId id="284" r:id="rId31"/>
+    <p:sldId id="289" r:id="rId32"/>
+    <p:sldId id="285" r:id="rId33"/>
   </p:sldIdLst>
   <p:sldSz cx="12192000" cy="6858000"/>
   <p:notesSz cx="6858000" cy="9144000"/>
@@ -13331,6 +13333,1117 @@
             <p:ph type="title"/>
           </p:nvPr>
         </p:nvSpPr>
+        <p:spPr>
+          <a:xfrm>
+            <a:off x="180521" y="0"/>
+            <a:ext cx="11256735" cy="1325563"/>
+          </a:xfrm>
+        </p:spPr>
+        <p:txBody>
+          <a:bodyPr/>
+          <a:lstStyle/>
+          <a:p>
+            <a:r>
+              <a:rPr kumimoji="1" lang="en-US" altLang="ko-KR" dirty="0" smtClean="0"/>
+              <a:t>liveness, </a:t>
+            </a:r>
+            <a:r>
+              <a:rPr kumimoji="1" lang="en-US" altLang="ko-KR" dirty="0" err="1" smtClean="0"/>
+              <a:t>readness</a:t>
+            </a:r>
+            <a:r>
+              <a:rPr kumimoji="1" lang="en-US" altLang="ko-KR" dirty="0" smtClean="0"/>
+              <a:t>(1)</a:t>
+            </a:r>
+            <a:endParaRPr kumimoji="1" lang="ko-KR" altLang="en-US" dirty="0"/>
+          </a:p>
+        </p:txBody>
+      </p:sp>
+      <p:sp>
+        <p:nvSpPr>
+          <p:cNvPr id="3" name="직사각형 2"/>
+          <p:cNvSpPr/>
+          <p:nvPr/>
+        </p:nvSpPr>
+        <p:spPr>
+          <a:xfrm>
+            <a:off x="377372" y="1124021"/>
+            <a:ext cx="10957378" cy="646331"/>
+          </a:xfrm>
+          <a:prstGeom prst="rect">
+            <a:avLst/>
+          </a:prstGeom>
+        </p:spPr>
+        <p:txBody>
+          <a:bodyPr wrap="square">
+            <a:spAutoFit/>
+          </a:bodyPr>
+          <a:lstStyle/>
+          <a:p>
+            <a:r>
+              <a:rPr lang="ko-KR" altLang="en-US" b="1" dirty="0" smtClean="0"/>
+              <a:t>먼저 </a:t>
+            </a:r>
+            <a:r>
+              <a:rPr lang="ko-KR" altLang="en-US" b="1" dirty="0" err="1" smtClean="0"/>
+              <a:t>무정지</a:t>
+            </a:r>
+            <a:r>
+              <a:rPr lang="ko-KR" altLang="en-US" b="1" dirty="0" smtClean="0"/>
+              <a:t> </a:t>
+            </a:r>
+            <a:r>
+              <a:rPr lang="ko-KR" altLang="en-US" b="1" dirty="0" err="1" smtClean="0"/>
+              <a:t>재배포가</a:t>
+            </a:r>
+            <a:r>
+              <a:rPr lang="ko-KR" altLang="en-US" b="1" dirty="0" smtClean="0"/>
+              <a:t> </a:t>
+            </a:r>
+            <a:r>
+              <a:rPr lang="en-US" altLang="ko-KR" b="1" dirty="0" smtClean="0"/>
+              <a:t>100% </a:t>
+            </a:r>
+            <a:r>
+              <a:rPr lang="ko-KR" altLang="en-US" b="1" dirty="0" smtClean="0"/>
+              <a:t>되는 것인지 확인하기 위해서 </a:t>
+            </a:r>
+            <a:r>
+              <a:rPr lang="en-US" altLang="ko-KR" b="1" dirty="0" err="1" smtClean="0"/>
+              <a:t>Autoscaler</a:t>
+            </a:r>
+            <a:r>
+              <a:rPr lang="en-US" altLang="ko-KR" b="1" dirty="0" smtClean="0"/>
+              <a:t> </a:t>
+            </a:r>
+            <a:r>
+              <a:rPr lang="ko-KR" altLang="en-US" b="1" dirty="0" smtClean="0"/>
+              <a:t>이나 </a:t>
+            </a:r>
+            <a:r>
+              <a:rPr lang="en-US" altLang="ko-KR" b="1" dirty="0" smtClean="0"/>
+              <a:t>CB </a:t>
+            </a:r>
+            <a:r>
+              <a:rPr lang="ko-KR" altLang="en-US" b="1" dirty="0" smtClean="0"/>
+              <a:t>설정을 제거함</a:t>
+            </a:r>
+          </a:p>
+          <a:p>
+            <a:r>
+              <a:rPr lang="en-US" altLang="ko-KR" b="1" dirty="0" err="1" smtClean="0"/>
+              <a:t>seige</a:t>
+            </a:r>
+            <a:r>
+              <a:rPr lang="en-US" altLang="ko-KR" b="1" dirty="0" smtClean="0"/>
+              <a:t> </a:t>
+            </a:r>
+            <a:r>
+              <a:rPr lang="ko-KR" altLang="en-US" b="1" dirty="0" smtClean="0"/>
+              <a:t>로 배포작업 직전에 워크로드를 모니터링 함</a:t>
+            </a:r>
+            <a:r>
+              <a:rPr lang="en-US" altLang="ko-KR" b="1" dirty="0" smtClean="0"/>
+              <a:t>.</a:t>
+            </a:r>
+            <a:endParaRPr lang="ko-KR" altLang="en-US" b="1" dirty="0"/>
+          </a:p>
+        </p:txBody>
+      </p:sp>
+      <p:sp>
+        <p:nvSpPr>
+          <p:cNvPr id="8" name="직사각형 7"/>
+          <p:cNvSpPr/>
+          <p:nvPr/>
+        </p:nvSpPr>
+        <p:spPr>
+          <a:xfrm>
+            <a:off x="274866" y="1770352"/>
+            <a:ext cx="9648825" cy="4524315"/>
+          </a:xfrm>
+          <a:prstGeom prst="rect">
+            <a:avLst/>
+          </a:prstGeom>
+        </p:spPr>
+        <p:txBody>
+          <a:bodyPr wrap="square">
+            <a:spAutoFit/>
+          </a:bodyPr>
+          <a:lstStyle/>
+          <a:p>
+            <a:r>
+              <a:rPr lang="ko-KR" altLang="en-US" sz="1200" dirty="0" err="1" smtClean="0"/>
+              <a:t>oot@siege</a:t>
+            </a:r>
+            <a:r>
+              <a:rPr lang="ko-KR" altLang="en-US" sz="1200" dirty="0" smtClean="0"/>
+              <a:t>:/# </a:t>
+            </a:r>
+            <a:r>
+              <a:rPr lang="ko-KR" altLang="en-US" sz="1200" dirty="0" err="1" smtClean="0"/>
+              <a:t>siege</a:t>
+            </a:r>
+            <a:r>
+              <a:rPr lang="ko-KR" altLang="en-US" sz="1200" dirty="0" smtClean="0"/>
+              <a:t> -c1 -t120S -r10 --</a:t>
+            </a:r>
+            <a:r>
+              <a:rPr lang="ko-KR" altLang="en-US" sz="1200" dirty="0" err="1" smtClean="0"/>
+              <a:t>content-type</a:t>
+            </a:r>
+            <a:r>
+              <a:rPr lang="ko-KR" altLang="en-US" sz="1200" dirty="0" smtClean="0"/>
+              <a:t> "</a:t>
+            </a:r>
+            <a:r>
+              <a:rPr lang="ko-KR" altLang="en-US" sz="1200" dirty="0" err="1" smtClean="0"/>
+              <a:t>application</a:t>
+            </a:r>
+            <a:r>
+              <a:rPr lang="ko-KR" altLang="en-US" sz="1200" dirty="0" smtClean="0"/>
+              <a:t>/</a:t>
+            </a:r>
+            <a:r>
+              <a:rPr lang="ko-KR" altLang="en-US" sz="1200" dirty="0" err="1" smtClean="0"/>
+              <a:t>json</a:t>
+            </a:r>
+            <a:r>
+              <a:rPr lang="ko-KR" altLang="en-US" sz="1200" dirty="0" smtClean="0"/>
+              <a:t>" 'http://a1d2c9dde6e714ebbb3aeb2077129eae-464698229.ap-northeast-2.elb.amazonaws.com:8080/reservations POST {"</a:t>
+            </a:r>
+            <a:r>
+              <a:rPr lang="ko-KR" altLang="en-US" sz="1200" dirty="0" err="1" smtClean="0"/>
+              <a:t>customerName</a:t>
+            </a:r>
+            <a:r>
+              <a:rPr lang="ko-KR" altLang="en-US" sz="1200" dirty="0" smtClean="0"/>
+              <a:t>": "</a:t>
+            </a:r>
+            <a:r>
+              <a:rPr lang="ko-KR" altLang="en-US" sz="1200" dirty="0" err="1" smtClean="0"/>
+              <a:t>park</a:t>
+            </a:r>
+            <a:r>
+              <a:rPr lang="ko-KR" altLang="en-US" sz="1200" dirty="0" smtClean="0"/>
+              <a:t>"}'</a:t>
+            </a:r>
+          </a:p>
+          <a:p>
+            <a:r>
+              <a:rPr lang="ko-KR" altLang="en-US" sz="1200" dirty="0" smtClean="0"/>
+              <a:t>[</a:t>
+            </a:r>
+            <a:r>
+              <a:rPr lang="ko-KR" altLang="en-US" sz="1200" dirty="0" err="1" smtClean="0"/>
+              <a:t>error</a:t>
+            </a:r>
+            <a:r>
+              <a:rPr lang="ko-KR" altLang="en-US" sz="1200" dirty="0" smtClean="0"/>
+              <a:t>] CONFIG </a:t>
+            </a:r>
+            <a:r>
+              <a:rPr lang="ko-KR" altLang="en-US" sz="1200" dirty="0" err="1" smtClean="0"/>
+              <a:t>conflict</a:t>
+            </a:r>
+            <a:r>
+              <a:rPr lang="ko-KR" altLang="en-US" sz="1200" dirty="0" smtClean="0"/>
+              <a:t>: </a:t>
+            </a:r>
+            <a:r>
+              <a:rPr lang="ko-KR" altLang="en-US" sz="1200" dirty="0" err="1" smtClean="0"/>
+              <a:t>selected</a:t>
+            </a:r>
+            <a:r>
+              <a:rPr lang="ko-KR" altLang="en-US" sz="1200" dirty="0" smtClean="0"/>
+              <a:t> </a:t>
+            </a:r>
+            <a:r>
+              <a:rPr lang="ko-KR" altLang="en-US" sz="1200" dirty="0" err="1" smtClean="0"/>
+              <a:t>time</a:t>
+            </a:r>
+            <a:r>
+              <a:rPr lang="ko-KR" altLang="en-US" sz="1200" dirty="0" smtClean="0"/>
+              <a:t> and </a:t>
+            </a:r>
+            <a:r>
+              <a:rPr lang="ko-KR" altLang="en-US" sz="1200" dirty="0" err="1" smtClean="0"/>
+              <a:t>repetition</a:t>
+            </a:r>
+            <a:r>
+              <a:rPr lang="ko-KR" altLang="en-US" sz="1200" dirty="0" smtClean="0"/>
+              <a:t> </a:t>
+            </a:r>
+            <a:r>
+              <a:rPr lang="ko-KR" altLang="en-US" sz="1200" dirty="0" err="1" smtClean="0"/>
+              <a:t>based</a:t>
+            </a:r>
+            <a:r>
+              <a:rPr lang="ko-KR" altLang="en-US" sz="1200" dirty="0" smtClean="0"/>
+              <a:t> </a:t>
+            </a:r>
+            <a:r>
+              <a:rPr lang="ko-KR" altLang="en-US" sz="1200" dirty="0" err="1" smtClean="0"/>
+              <a:t>testing</a:t>
+            </a:r>
+            <a:endParaRPr lang="ko-KR" altLang="en-US" sz="1200" dirty="0" smtClean="0"/>
+          </a:p>
+          <a:p>
+            <a:r>
+              <a:rPr lang="ko-KR" altLang="en-US" sz="1200" dirty="0" err="1" smtClean="0"/>
+              <a:t>defaulting</a:t>
+            </a:r>
+            <a:r>
+              <a:rPr lang="ko-KR" altLang="en-US" sz="1200" dirty="0" smtClean="0"/>
+              <a:t> </a:t>
+            </a:r>
+            <a:r>
+              <a:rPr lang="ko-KR" altLang="en-US" sz="1200" dirty="0" err="1" smtClean="0"/>
+              <a:t>to</a:t>
+            </a:r>
+            <a:r>
+              <a:rPr lang="ko-KR" altLang="en-US" sz="1200" dirty="0" smtClean="0"/>
+              <a:t> </a:t>
+            </a:r>
+            <a:r>
+              <a:rPr lang="ko-KR" altLang="en-US" sz="1200" dirty="0" err="1" smtClean="0"/>
+              <a:t>time-based</a:t>
+            </a:r>
+            <a:r>
+              <a:rPr lang="ko-KR" altLang="en-US" sz="1200" dirty="0" smtClean="0"/>
+              <a:t> </a:t>
+            </a:r>
+            <a:r>
+              <a:rPr lang="ko-KR" altLang="en-US" sz="1200" dirty="0" err="1" smtClean="0"/>
+              <a:t>testing</a:t>
+            </a:r>
+            <a:r>
+              <a:rPr lang="ko-KR" altLang="en-US" sz="1200" dirty="0" smtClean="0"/>
+              <a:t>: 120 </a:t>
+            </a:r>
+            <a:r>
+              <a:rPr lang="ko-KR" altLang="en-US" sz="1200" dirty="0" err="1" smtClean="0"/>
+              <a:t>seconds</a:t>
+            </a:r>
+            <a:endParaRPr lang="ko-KR" altLang="en-US" sz="1200" dirty="0" smtClean="0"/>
+          </a:p>
+          <a:p>
+            <a:r>
+              <a:rPr lang="ko-KR" altLang="en-US" sz="1200" dirty="0" smtClean="0"/>
+              <a:t>** SIEGE 4.0.4</a:t>
+            </a:r>
+          </a:p>
+          <a:p>
+            <a:r>
+              <a:rPr lang="ko-KR" altLang="en-US" sz="1200" dirty="0" smtClean="0"/>
+              <a:t>** </a:t>
+            </a:r>
+            <a:r>
+              <a:rPr lang="ko-KR" altLang="en-US" sz="1200" dirty="0" err="1" smtClean="0"/>
+              <a:t>Preparing</a:t>
+            </a:r>
+            <a:r>
+              <a:rPr lang="ko-KR" altLang="en-US" sz="1200" dirty="0" smtClean="0"/>
+              <a:t> 1 </a:t>
+            </a:r>
+            <a:r>
+              <a:rPr lang="ko-KR" altLang="en-US" sz="1200" dirty="0" err="1" smtClean="0"/>
+              <a:t>concurrent</a:t>
+            </a:r>
+            <a:r>
+              <a:rPr lang="ko-KR" altLang="en-US" sz="1200" dirty="0" smtClean="0"/>
+              <a:t> </a:t>
+            </a:r>
+            <a:r>
+              <a:rPr lang="ko-KR" altLang="en-US" sz="1200" dirty="0" err="1" smtClean="0"/>
+              <a:t>users</a:t>
+            </a:r>
+            <a:r>
+              <a:rPr lang="ko-KR" altLang="en-US" sz="1200" dirty="0" smtClean="0"/>
+              <a:t> </a:t>
+            </a:r>
+            <a:r>
+              <a:rPr lang="ko-KR" altLang="en-US" sz="1200" dirty="0" err="1" smtClean="0"/>
+              <a:t>for</a:t>
+            </a:r>
+            <a:r>
+              <a:rPr lang="ko-KR" altLang="en-US" sz="1200" dirty="0" smtClean="0"/>
+              <a:t> </a:t>
+            </a:r>
+            <a:r>
+              <a:rPr lang="ko-KR" altLang="en-US" sz="1200" dirty="0" err="1" smtClean="0"/>
+              <a:t>battle</a:t>
+            </a:r>
+            <a:r>
+              <a:rPr lang="ko-KR" altLang="en-US" sz="1200" dirty="0" smtClean="0"/>
+              <a:t>.</a:t>
+            </a:r>
+          </a:p>
+          <a:p>
+            <a:r>
+              <a:rPr lang="ko-KR" altLang="en-US" sz="1200" dirty="0" smtClean="0"/>
+              <a:t>The </a:t>
+            </a:r>
+            <a:r>
+              <a:rPr lang="ko-KR" altLang="en-US" sz="1200" dirty="0" err="1" smtClean="0"/>
+              <a:t>server</a:t>
+            </a:r>
+            <a:r>
+              <a:rPr lang="ko-KR" altLang="en-US" sz="1200" dirty="0" smtClean="0"/>
+              <a:t> </a:t>
+            </a:r>
+            <a:r>
+              <a:rPr lang="ko-KR" altLang="en-US" sz="1200" dirty="0" err="1" smtClean="0"/>
+              <a:t>is</a:t>
+            </a:r>
+            <a:r>
+              <a:rPr lang="ko-KR" altLang="en-US" sz="1200" dirty="0" smtClean="0"/>
+              <a:t> </a:t>
+            </a:r>
+            <a:r>
+              <a:rPr lang="ko-KR" altLang="en-US" sz="1200" dirty="0" err="1" smtClean="0"/>
+              <a:t>now</a:t>
+            </a:r>
+            <a:r>
+              <a:rPr lang="ko-KR" altLang="en-US" sz="1200" dirty="0" smtClean="0"/>
+              <a:t> </a:t>
+            </a:r>
+            <a:r>
+              <a:rPr lang="ko-KR" altLang="en-US" sz="1200" dirty="0" err="1" smtClean="0"/>
+              <a:t>under</a:t>
+            </a:r>
+            <a:r>
+              <a:rPr lang="ko-KR" altLang="en-US" sz="1200" dirty="0" smtClean="0"/>
+              <a:t> </a:t>
+            </a:r>
+            <a:r>
+              <a:rPr lang="ko-KR" altLang="en-US" sz="1200" dirty="0" err="1" smtClean="0"/>
+              <a:t>siege</a:t>
+            </a:r>
+            <a:r>
+              <a:rPr lang="ko-KR" altLang="en-US" sz="1200" dirty="0" smtClean="0"/>
+              <a:t>...</a:t>
+            </a:r>
+          </a:p>
+          <a:p>
+            <a:endParaRPr lang="ko-KR" altLang="en-US" sz="1200" dirty="0" smtClean="0"/>
+          </a:p>
+          <a:p>
+            <a:r>
+              <a:rPr lang="ko-KR" altLang="en-US" sz="1200" dirty="0" smtClean="0"/>
+              <a:t>새버전으로의 배포 시작</a:t>
+            </a:r>
+          </a:p>
+          <a:p>
+            <a:r>
+              <a:rPr lang="ko-KR" altLang="en-US" sz="1200" dirty="0" err="1" smtClean="0"/>
+              <a:t>kubectl</a:t>
+            </a:r>
+            <a:r>
+              <a:rPr lang="ko-KR" altLang="en-US" sz="1200" dirty="0" smtClean="0"/>
+              <a:t> </a:t>
+            </a:r>
+            <a:r>
+              <a:rPr lang="ko-KR" altLang="en-US" sz="1200" dirty="0" err="1" smtClean="0"/>
+              <a:t>set</a:t>
+            </a:r>
+            <a:r>
+              <a:rPr lang="ko-KR" altLang="en-US" sz="1200" dirty="0" smtClean="0"/>
+              <a:t> </a:t>
+            </a:r>
+            <a:r>
+              <a:rPr lang="ko-KR" altLang="en-US" sz="1200" dirty="0" err="1" smtClean="0"/>
+              <a:t>image</a:t>
+            </a:r>
+            <a:r>
+              <a:rPr lang="ko-KR" altLang="en-US" sz="1200" dirty="0" smtClean="0"/>
+              <a:t> ...</a:t>
+            </a:r>
+          </a:p>
+          <a:p>
+            <a:endParaRPr lang="ko-KR" altLang="en-US" sz="1200" dirty="0" smtClean="0"/>
+          </a:p>
+          <a:p>
+            <a:r>
+              <a:rPr lang="ko-KR" altLang="en-US" sz="1200" dirty="0" err="1" smtClean="0"/>
+              <a:t>seige</a:t>
+            </a:r>
+            <a:r>
+              <a:rPr lang="ko-KR" altLang="en-US" sz="1200" dirty="0" smtClean="0"/>
+              <a:t> 의 화면으로 넘어가서 </a:t>
+            </a:r>
+            <a:r>
+              <a:rPr lang="ko-KR" altLang="en-US" sz="1200" dirty="0" err="1" smtClean="0"/>
+              <a:t>Availability</a:t>
+            </a:r>
+            <a:r>
+              <a:rPr lang="ko-KR" altLang="en-US" sz="1200" dirty="0" smtClean="0"/>
+              <a:t> 가 100% 미만으로 떨어졌는지 확인</a:t>
+            </a:r>
+          </a:p>
+          <a:p>
+            <a:r>
+              <a:rPr lang="ko-KR" altLang="en-US" sz="1200" dirty="0" err="1" smtClean="0"/>
+              <a:t>Transactions</a:t>
+            </a:r>
+            <a:r>
+              <a:rPr lang="ko-KR" altLang="en-US" sz="1200" dirty="0" smtClean="0"/>
+              <a:t>:                    210 </a:t>
+            </a:r>
+            <a:r>
+              <a:rPr lang="ko-KR" altLang="en-US" sz="1200" dirty="0" err="1" smtClean="0"/>
+              <a:t>hits</a:t>
+            </a:r>
+            <a:endParaRPr lang="ko-KR" altLang="en-US" sz="1200" dirty="0" smtClean="0"/>
+          </a:p>
+          <a:p>
+            <a:r>
+              <a:rPr lang="ko-KR" altLang="en-US" sz="1200" dirty="0" err="1" smtClean="0"/>
+              <a:t>Availability</a:t>
+            </a:r>
+            <a:r>
+              <a:rPr lang="ko-KR" altLang="en-US" sz="1200" dirty="0" smtClean="0"/>
+              <a:t>:                  93.75 %</a:t>
+            </a:r>
+          </a:p>
+          <a:p>
+            <a:r>
+              <a:rPr lang="ko-KR" altLang="en-US" sz="1200" dirty="0" err="1" smtClean="0"/>
+              <a:t>Elapsed</a:t>
+            </a:r>
+            <a:r>
+              <a:rPr lang="ko-KR" altLang="en-US" sz="1200" dirty="0" smtClean="0"/>
+              <a:t> </a:t>
+            </a:r>
+            <a:r>
+              <a:rPr lang="ko-KR" altLang="en-US" sz="1200" dirty="0" err="1" smtClean="0"/>
+              <a:t>time</a:t>
+            </a:r>
+            <a:r>
+              <a:rPr lang="ko-KR" altLang="en-US" sz="1200" dirty="0" smtClean="0"/>
+              <a:t>:                 119.95 </a:t>
+            </a:r>
+            <a:r>
+              <a:rPr lang="ko-KR" altLang="en-US" sz="1200" dirty="0" err="1" smtClean="0"/>
+              <a:t>secs</a:t>
+            </a:r>
+            <a:endParaRPr lang="ko-KR" altLang="en-US" sz="1200" dirty="0" smtClean="0"/>
+          </a:p>
+          <a:p>
+            <a:r>
+              <a:rPr lang="ko-KR" altLang="en-US" sz="1200" dirty="0" smtClean="0"/>
+              <a:t>Data </a:t>
+            </a:r>
+            <a:r>
+              <a:rPr lang="ko-KR" altLang="en-US" sz="1200" dirty="0" err="1" smtClean="0"/>
+              <a:t>transferred</a:t>
+            </a:r>
+            <a:r>
+              <a:rPr lang="ko-KR" altLang="en-US" sz="1200" dirty="0" smtClean="0"/>
+              <a:t>:               0.08 MB</a:t>
+            </a:r>
+          </a:p>
+          <a:p>
+            <a:r>
+              <a:rPr lang="ko-KR" altLang="en-US" sz="1200" dirty="0" err="1" smtClean="0"/>
+              <a:t>Response</a:t>
+            </a:r>
+            <a:r>
+              <a:rPr lang="ko-KR" altLang="en-US" sz="1200" dirty="0" smtClean="0"/>
+              <a:t> </a:t>
+            </a:r>
+            <a:r>
+              <a:rPr lang="ko-KR" altLang="en-US" sz="1200" dirty="0" err="1" smtClean="0"/>
+              <a:t>time</a:t>
+            </a:r>
+            <a:r>
+              <a:rPr lang="ko-KR" altLang="en-US" sz="1200" dirty="0" smtClean="0"/>
+              <a:t>:                  0.57 </a:t>
+            </a:r>
+            <a:r>
+              <a:rPr lang="ko-KR" altLang="en-US" sz="1200" dirty="0" err="1" smtClean="0"/>
+              <a:t>secs</a:t>
+            </a:r>
+            <a:endParaRPr lang="ko-KR" altLang="en-US" sz="1200" dirty="0" smtClean="0"/>
+          </a:p>
+          <a:p>
+            <a:r>
+              <a:rPr lang="ko-KR" altLang="en-US" sz="1200" dirty="0" err="1" smtClean="0"/>
+              <a:t>Transaction</a:t>
+            </a:r>
+            <a:r>
+              <a:rPr lang="ko-KR" altLang="en-US" sz="1200" dirty="0" smtClean="0"/>
+              <a:t> </a:t>
+            </a:r>
+            <a:r>
+              <a:rPr lang="ko-KR" altLang="en-US" sz="1200" dirty="0" err="1" smtClean="0"/>
+              <a:t>rate</a:t>
+            </a:r>
+            <a:r>
+              <a:rPr lang="ko-KR" altLang="en-US" sz="1200" dirty="0" smtClean="0"/>
+              <a:t>:               1.75 </a:t>
+            </a:r>
+            <a:r>
+              <a:rPr lang="ko-KR" altLang="en-US" sz="1200" dirty="0" err="1" smtClean="0"/>
+              <a:t>trans</a:t>
+            </a:r>
+            <a:r>
+              <a:rPr lang="ko-KR" altLang="en-US" sz="1200" dirty="0" smtClean="0"/>
+              <a:t>/</a:t>
+            </a:r>
+            <a:r>
+              <a:rPr lang="ko-KR" altLang="en-US" sz="1200" dirty="0" err="1" smtClean="0"/>
+              <a:t>sec</a:t>
+            </a:r>
+            <a:endParaRPr lang="ko-KR" altLang="en-US" sz="1200" dirty="0" smtClean="0"/>
+          </a:p>
+          <a:p>
+            <a:r>
+              <a:rPr lang="ko-KR" altLang="en-US" sz="1200" dirty="0" err="1" smtClean="0"/>
+              <a:t>Throughput</a:t>
+            </a:r>
+            <a:r>
+              <a:rPr lang="ko-KR" altLang="en-US" sz="1200" dirty="0" smtClean="0"/>
+              <a:t>:                     0.00 MB/</a:t>
+            </a:r>
+            <a:r>
+              <a:rPr lang="ko-KR" altLang="en-US" sz="1200" dirty="0" err="1" smtClean="0"/>
+              <a:t>sec</a:t>
+            </a:r>
+            <a:endParaRPr lang="ko-KR" altLang="en-US" sz="1200" dirty="0" smtClean="0"/>
+          </a:p>
+          <a:p>
+            <a:r>
+              <a:rPr lang="ko-KR" altLang="en-US" sz="1200" dirty="0" err="1" smtClean="0"/>
+              <a:t>Concurrency</a:t>
+            </a:r>
+            <a:r>
+              <a:rPr lang="ko-KR" altLang="en-US" sz="1200" dirty="0" smtClean="0"/>
+              <a:t>:                    0.99</a:t>
+            </a:r>
+          </a:p>
+          <a:p>
+            <a:r>
+              <a:rPr lang="ko-KR" altLang="en-US" sz="1200" dirty="0" err="1" smtClean="0"/>
+              <a:t>Successful</a:t>
+            </a:r>
+            <a:r>
+              <a:rPr lang="ko-KR" altLang="en-US" sz="1200" dirty="0" smtClean="0"/>
+              <a:t> </a:t>
+            </a:r>
+            <a:r>
+              <a:rPr lang="ko-KR" altLang="en-US" sz="1200" dirty="0" err="1" smtClean="0"/>
+              <a:t>transactions</a:t>
+            </a:r>
+            <a:r>
+              <a:rPr lang="ko-KR" altLang="en-US" sz="1200" dirty="0" smtClean="0"/>
+              <a:t>:         210</a:t>
+            </a:r>
+          </a:p>
+          <a:p>
+            <a:r>
+              <a:rPr lang="ko-KR" altLang="en-US" sz="1200" dirty="0" err="1" smtClean="0"/>
+              <a:t>Failed</a:t>
+            </a:r>
+            <a:r>
+              <a:rPr lang="ko-KR" altLang="en-US" sz="1200" dirty="0" smtClean="0"/>
+              <a:t> </a:t>
+            </a:r>
+            <a:r>
+              <a:rPr lang="ko-KR" altLang="en-US" sz="1200" dirty="0" err="1" smtClean="0"/>
+              <a:t>transactions</a:t>
+            </a:r>
+            <a:r>
+              <a:rPr lang="ko-KR" altLang="en-US" sz="1200" dirty="0" smtClean="0"/>
+              <a:t>:              14</a:t>
+            </a:r>
+          </a:p>
+          <a:p>
+            <a:r>
+              <a:rPr lang="ko-KR" altLang="en-US" sz="1200" dirty="0" err="1" smtClean="0"/>
+              <a:t>Longest</a:t>
+            </a:r>
+            <a:r>
+              <a:rPr lang="ko-KR" altLang="en-US" sz="1200" dirty="0" smtClean="0"/>
+              <a:t> </a:t>
+            </a:r>
+            <a:r>
+              <a:rPr lang="ko-KR" altLang="en-US" sz="1200" dirty="0" err="1" smtClean="0"/>
+              <a:t>transaction</a:t>
+            </a:r>
+            <a:r>
+              <a:rPr lang="ko-KR" altLang="en-US" sz="1200" dirty="0" smtClean="0"/>
+              <a:t>:            1.21</a:t>
+            </a:r>
+          </a:p>
+          <a:p>
+            <a:r>
+              <a:rPr lang="ko-KR" altLang="en-US" sz="1200" dirty="0" err="1" smtClean="0"/>
+              <a:t>Shortest</a:t>
+            </a:r>
+            <a:r>
+              <a:rPr lang="ko-KR" altLang="en-US" sz="1200" dirty="0" smtClean="0"/>
+              <a:t> </a:t>
+            </a:r>
+            <a:r>
+              <a:rPr lang="ko-KR" altLang="en-US" sz="1200" dirty="0" err="1" smtClean="0"/>
+              <a:t>transaction</a:t>
+            </a:r>
+            <a:r>
+              <a:rPr lang="ko-KR" altLang="en-US" sz="1200" dirty="0" smtClean="0"/>
+              <a:t>:           0.41</a:t>
+            </a:r>
+            <a:endParaRPr lang="ko-KR" altLang="en-US" sz="1200" dirty="0"/>
+          </a:p>
+        </p:txBody>
+      </p:sp>
+    </p:spTree>
+    <p:extLst>
+      <p:ext uri="{BB962C8B-B14F-4D97-AF65-F5344CB8AC3E}">
+        <p14:creationId xmlns:p14="http://schemas.microsoft.com/office/powerpoint/2010/main" val="1516560151"/>
+      </p:ext>
+    </p:extLst>
+  </p:cSld>
+  <p:clrMapOvr>
+    <a:masterClrMapping/>
+  </p:clrMapOvr>
+  <p:timing>
+    <p:tnLst>
+      <p:par>
+        <p:cTn id="1" dur="indefinite" restart="never" nodeType="tmRoot"/>
+      </p:par>
+    </p:tnLst>
+  </p:timing>
+</p:sld>
+</file>
+
+<file path=ppt/slides/slide26.xml><?xml version="1.0" encoding="utf-8"?>
+<p:sld xmlns:a="http://schemas.openxmlformats.org/drawingml/2006/main" xmlns:r="http://schemas.openxmlformats.org/officeDocument/2006/relationships" xmlns:p="http://schemas.openxmlformats.org/presentationml/2006/main">
+  <p:cSld>
+    <p:spTree>
+      <p:nvGrpSpPr>
+        <p:cNvPr id="1" name=""/>
+        <p:cNvGrpSpPr/>
+        <p:nvPr/>
+      </p:nvGrpSpPr>
+      <p:grpSpPr>
+        <a:xfrm>
+          <a:off x="0" y="0"/>
+          <a:ext cx="0" cy="0"/>
+          <a:chOff x="0" y="0"/>
+          <a:chExt cx="0" cy="0"/>
+        </a:xfrm>
+      </p:grpSpPr>
+      <p:sp>
+        <p:nvSpPr>
+          <p:cNvPr id="2" name="제목 1"/>
+          <p:cNvSpPr>
+            <a:spLocks noGrp="1"/>
+          </p:cNvSpPr>
+          <p:nvPr>
+            <p:ph type="title"/>
+          </p:nvPr>
+        </p:nvSpPr>
+        <p:spPr>
+          <a:xfrm>
+            <a:off x="180521" y="0"/>
+            <a:ext cx="11256735" cy="1325563"/>
+          </a:xfrm>
+        </p:spPr>
+        <p:txBody>
+          <a:bodyPr/>
+          <a:lstStyle/>
+          <a:p>
+            <a:r>
+              <a:rPr kumimoji="1" lang="en-US" altLang="ko-KR" dirty="0" smtClean="0"/>
+              <a:t>liveness, </a:t>
+            </a:r>
+            <a:r>
+              <a:rPr kumimoji="1" lang="en-US" altLang="ko-KR" dirty="0" err="1" smtClean="0"/>
+              <a:t>readness</a:t>
+            </a:r>
+            <a:r>
+              <a:rPr kumimoji="1" lang="en-US" altLang="ko-KR" dirty="0" smtClean="0"/>
+              <a:t>(2)</a:t>
+            </a:r>
+            <a:endParaRPr kumimoji="1" lang="ko-KR" altLang="en-US" dirty="0"/>
+          </a:p>
+        </p:txBody>
+      </p:sp>
+      <p:sp>
+        <p:nvSpPr>
+          <p:cNvPr id="3" name="직사각형 2"/>
+          <p:cNvSpPr/>
+          <p:nvPr/>
+        </p:nvSpPr>
+        <p:spPr>
+          <a:xfrm>
+            <a:off x="377371" y="1124021"/>
+            <a:ext cx="11728903" cy="923330"/>
+          </a:xfrm>
+          <a:prstGeom prst="rect">
+            <a:avLst/>
+          </a:prstGeom>
+        </p:spPr>
+        <p:txBody>
+          <a:bodyPr wrap="square">
+            <a:spAutoFit/>
+          </a:bodyPr>
+          <a:lstStyle/>
+          <a:p>
+            <a:r>
+              <a:rPr lang="ko-KR" altLang="en-US" dirty="0" err="1"/>
+              <a:t>배포기간중</a:t>
+            </a:r>
+            <a:r>
+              <a:rPr lang="ko-KR" altLang="en-US" dirty="0"/>
+              <a:t> </a:t>
+            </a:r>
+            <a:r>
+              <a:rPr lang="en-US" altLang="ko-KR" dirty="0"/>
+              <a:t>Availability </a:t>
+            </a:r>
+            <a:r>
+              <a:rPr lang="ko-KR" altLang="en-US" dirty="0"/>
+              <a:t>가 평소 </a:t>
+            </a:r>
+            <a:r>
+              <a:rPr lang="en-US" altLang="ko-KR" dirty="0"/>
+              <a:t>100%</a:t>
+            </a:r>
+            <a:r>
+              <a:rPr lang="ko-KR" altLang="en-US" dirty="0"/>
+              <a:t>에서 </a:t>
+            </a:r>
+            <a:r>
+              <a:rPr lang="en-US" altLang="ko-KR" dirty="0"/>
+              <a:t>90% </a:t>
+            </a:r>
+            <a:r>
+              <a:rPr lang="ko-KR" altLang="en-US" dirty="0"/>
+              <a:t>대로 떨어지는 것을 확인</a:t>
+            </a:r>
+            <a:r>
+              <a:rPr lang="en-US" altLang="ko-KR" dirty="0"/>
+              <a:t>. </a:t>
+            </a:r>
+            <a:r>
+              <a:rPr lang="ko-KR" altLang="en-US" dirty="0"/>
+              <a:t>원인은 </a:t>
+            </a:r>
+            <a:r>
+              <a:rPr lang="ko-KR" altLang="en-US" dirty="0" err="1"/>
+              <a:t>쿠버네티스가</a:t>
+            </a:r>
+            <a:r>
+              <a:rPr lang="ko-KR" altLang="en-US" dirty="0"/>
+              <a:t> 성급하게 새로 올려진 서비스를 </a:t>
+            </a:r>
+            <a:r>
+              <a:rPr lang="en-US" altLang="ko-KR" dirty="0"/>
+              <a:t>READY </a:t>
+            </a:r>
+            <a:r>
+              <a:rPr lang="ko-KR" altLang="en-US" dirty="0"/>
+              <a:t>상태로 인식하여 서비스 유입을 진행한 것이기 때문</a:t>
+            </a:r>
+            <a:r>
+              <a:rPr lang="en-US" altLang="ko-KR" dirty="0"/>
+              <a:t>. </a:t>
+            </a:r>
+            <a:r>
+              <a:rPr lang="ko-KR" altLang="en-US" dirty="0"/>
+              <a:t>이를 막기위해 </a:t>
+            </a:r>
+            <a:r>
+              <a:rPr lang="en-US" altLang="ko-KR" dirty="0"/>
+              <a:t>Readiness Probe </a:t>
+            </a:r>
+            <a:r>
+              <a:rPr lang="ko-KR" altLang="en-US" dirty="0"/>
+              <a:t>를 설정함</a:t>
+            </a:r>
+            <a:r>
+              <a:rPr lang="en-US" altLang="ko-KR" dirty="0"/>
+              <a:t>:</a:t>
+            </a:r>
+          </a:p>
+        </p:txBody>
+      </p:sp>
+      <p:sp>
+        <p:nvSpPr>
+          <p:cNvPr id="8" name="직사각형 7"/>
+          <p:cNvSpPr/>
+          <p:nvPr/>
+        </p:nvSpPr>
+        <p:spPr>
+          <a:xfrm>
+            <a:off x="377371" y="2170402"/>
+            <a:ext cx="9648825" cy="3600986"/>
+          </a:xfrm>
+          <a:prstGeom prst="rect">
+            <a:avLst/>
+          </a:prstGeom>
+        </p:spPr>
+        <p:txBody>
+          <a:bodyPr wrap="square">
+            <a:spAutoFit/>
+          </a:bodyPr>
+          <a:lstStyle/>
+          <a:p>
+            <a:endParaRPr lang="en-US" altLang="ko-KR" sz="1200" dirty="0" smtClean="0"/>
+          </a:p>
+          <a:p>
+            <a:r>
+              <a:rPr lang="en-US" altLang="ko-KR" sz="1200" dirty="0" smtClean="0"/>
+              <a:t># </a:t>
+            </a:r>
+            <a:r>
+              <a:rPr lang="en-US" altLang="ko-KR" sz="1200" dirty="0" err="1" smtClean="0"/>
+              <a:t>deployment.yaml</a:t>
+            </a:r>
+            <a:r>
+              <a:rPr lang="en-US" altLang="ko-KR" sz="1200" dirty="0" smtClean="0"/>
+              <a:t> </a:t>
+            </a:r>
+            <a:r>
+              <a:rPr lang="ko-KR" altLang="en-US" sz="1200" dirty="0" smtClean="0"/>
+              <a:t>의 </a:t>
+            </a:r>
+            <a:r>
+              <a:rPr lang="en-US" altLang="ko-KR" sz="1200" dirty="0" smtClean="0"/>
+              <a:t>readiness probe </a:t>
+            </a:r>
+            <a:r>
+              <a:rPr lang="ko-KR" altLang="en-US" sz="1200" dirty="0" smtClean="0"/>
+              <a:t>의 설정</a:t>
+            </a:r>
+            <a:r>
+              <a:rPr lang="en-US" altLang="ko-KR" sz="1200" dirty="0" smtClean="0"/>
+              <a:t>:</a:t>
+            </a:r>
+          </a:p>
+          <a:p>
+            <a:r>
+              <a:rPr lang="en-US" altLang="ko-KR" sz="1200" dirty="0" err="1" smtClean="0"/>
+              <a:t>kubectl</a:t>
+            </a:r>
+            <a:r>
+              <a:rPr lang="en-US" altLang="ko-KR" sz="1200" dirty="0" smtClean="0"/>
+              <a:t> apply -f </a:t>
+            </a:r>
+            <a:r>
+              <a:rPr lang="en-US" altLang="ko-KR" sz="1200" dirty="0" err="1" smtClean="0"/>
+              <a:t>kubernetes</a:t>
+            </a:r>
+            <a:r>
+              <a:rPr lang="en-US" altLang="ko-KR" sz="1200" dirty="0" smtClean="0"/>
+              <a:t>/</a:t>
+            </a:r>
+            <a:r>
+              <a:rPr lang="en-US" altLang="ko-KR" sz="1200" dirty="0" err="1" smtClean="0"/>
+              <a:t>deployment.yaml</a:t>
+            </a:r>
+            <a:endParaRPr lang="en-US" altLang="ko-KR" sz="1200" dirty="0" smtClean="0"/>
+          </a:p>
+          <a:p>
+            <a:endParaRPr lang="en-US" altLang="ko-KR" sz="1200" dirty="0" smtClean="0"/>
+          </a:p>
+          <a:p>
+            <a:r>
+              <a:rPr lang="ko-KR" altLang="en-US" sz="1200" dirty="0" smtClean="0"/>
+              <a:t>동일한 시나리오로 </a:t>
+            </a:r>
+            <a:r>
+              <a:rPr lang="ko-KR" altLang="en-US" sz="1200" dirty="0" err="1" smtClean="0"/>
+              <a:t>재배포</a:t>
+            </a:r>
+            <a:r>
+              <a:rPr lang="ko-KR" altLang="en-US" sz="1200" dirty="0" smtClean="0"/>
+              <a:t> 한 후 </a:t>
+            </a:r>
+            <a:r>
+              <a:rPr lang="en-US" altLang="ko-KR" sz="1200" dirty="0" smtClean="0"/>
+              <a:t>Availability </a:t>
+            </a:r>
+            <a:r>
+              <a:rPr lang="ko-KR" altLang="en-US" sz="1200" dirty="0" smtClean="0"/>
+              <a:t>확인</a:t>
+            </a:r>
+            <a:r>
+              <a:rPr lang="en-US" altLang="ko-KR" sz="1200" dirty="0" smtClean="0"/>
+              <a:t>:</a:t>
+            </a:r>
+          </a:p>
+          <a:p>
+            <a:r>
+              <a:rPr lang="en-US" altLang="ko-KR" sz="1200" dirty="0" smtClean="0"/>
+              <a:t>Transactions:                    221 hits</a:t>
+            </a:r>
+          </a:p>
+          <a:p>
+            <a:r>
+              <a:rPr lang="en-US" altLang="ko-KR" sz="1200" dirty="0" smtClean="0"/>
+              <a:t>Availability:                 100.00 %</a:t>
+            </a:r>
+          </a:p>
+          <a:p>
+            <a:r>
+              <a:rPr lang="en-US" altLang="ko-KR" sz="1200" dirty="0" smtClean="0"/>
+              <a:t>Elapsed time:                 119.59 secs</a:t>
+            </a:r>
+          </a:p>
+          <a:p>
+            <a:r>
+              <a:rPr lang="en-US" altLang="ko-KR" sz="1200" dirty="0" smtClean="0"/>
+              <a:t>Data transferred:               0.07 MB</a:t>
+            </a:r>
+          </a:p>
+          <a:p>
+            <a:r>
+              <a:rPr lang="en-US" altLang="ko-KR" sz="1200" dirty="0" smtClean="0"/>
+              <a:t>Response time:                  0.54 secs</a:t>
+            </a:r>
+          </a:p>
+          <a:p>
+            <a:r>
+              <a:rPr lang="en-US" altLang="ko-KR" sz="1200" dirty="0" smtClean="0"/>
+              <a:t>Transaction rate:               1.85 trans/sec</a:t>
+            </a:r>
+          </a:p>
+          <a:p>
+            <a:r>
+              <a:rPr lang="en-US" altLang="ko-KR" sz="1200" dirty="0" smtClean="0"/>
+              <a:t>Throughput:                     0.00 MB/sec</a:t>
+            </a:r>
+          </a:p>
+          <a:p>
+            <a:r>
+              <a:rPr lang="en-US" altLang="ko-KR" sz="1200" dirty="0" smtClean="0"/>
+              <a:t>Concurrency:                    1.00</a:t>
+            </a:r>
+          </a:p>
+          <a:p>
+            <a:r>
+              <a:rPr lang="en-US" altLang="ko-KR" sz="1200" dirty="0" smtClean="0"/>
+              <a:t>Successful transactions:         221</a:t>
+            </a:r>
+          </a:p>
+          <a:p>
+            <a:r>
+              <a:rPr lang="en-US" altLang="ko-KR" sz="1200" dirty="0" smtClean="0"/>
+              <a:t>Failed transactions:               0</a:t>
+            </a:r>
+          </a:p>
+          <a:p>
+            <a:r>
+              <a:rPr lang="en-US" altLang="ko-KR" sz="1200" dirty="0" smtClean="0"/>
+              <a:t>Longest transaction:            0.69</a:t>
+            </a:r>
+          </a:p>
+          <a:p>
+            <a:r>
+              <a:rPr lang="en-US" altLang="ko-KR" sz="1200" dirty="0" smtClean="0"/>
+              <a:t>Shortest transaction:           0.42</a:t>
+            </a:r>
+          </a:p>
+          <a:p>
+            <a:endParaRPr lang="en-US" altLang="ko-KR" sz="1200" dirty="0" smtClean="0"/>
+          </a:p>
+          <a:p>
+            <a:r>
+              <a:rPr lang="ko-KR" altLang="en-US" sz="1200" b="1" dirty="0" err="1" smtClean="0"/>
+              <a:t>배포기간</a:t>
+            </a:r>
+            <a:r>
+              <a:rPr lang="ko-KR" altLang="en-US" sz="1200" b="1" dirty="0" smtClean="0"/>
+              <a:t> 동안 </a:t>
+            </a:r>
+            <a:r>
+              <a:rPr lang="en-US" altLang="ko-KR" sz="1200" b="1" dirty="0" smtClean="0"/>
+              <a:t>Availability </a:t>
+            </a:r>
+            <a:r>
+              <a:rPr lang="ko-KR" altLang="en-US" sz="1200" b="1" dirty="0" smtClean="0"/>
+              <a:t>가 </a:t>
+            </a:r>
+            <a:r>
+              <a:rPr lang="ko-KR" altLang="en-US" sz="1200" b="1" dirty="0" err="1" smtClean="0"/>
+              <a:t>변화없기</a:t>
+            </a:r>
+            <a:r>
+              <a:rPr lang="ko-KR" altLang="en-US" sz="1200" b="1" dirty="0" smtClean="0"/>
+              <a:t> 때문에 </a:t>
+            </a:r>
+            <a:r>
+              <a:rPr lang="ko-KR" altLang="en-US" sz="1200" b="1" dirty="0" err="1" smtClean="0"/>
+              <a:t>무정지</a:t>
+            </a:r>
+            <a:r>
+              <a:rPr lang="ko-KR" altLang="en-US" sz="1200" b="1" dirty="0" smtClean="0"/>
+              <a:t> </a:t>
+            </a:r>
+            <a:r>
+              <a:rPr lang="ko-KR" altLang="en-US" sz="1200" b="1" dirty="0" err="1" smtClean="0"/>
+              <a:t>재배포가</a:t>
+            </a:r>
+            <a:r>
+              <a:rPr lang="ko-KR" altLang="en-US" sz="1200" b="1" dirty="0" smtClean="0"/>
+              <a:t> 성공한 것으로 확인됨</a:t>
+            </a:r>
+            <a:r>
+              <a:rPr lang="en-US" altLang="ko-KR" sz="1200" b="1" dirty="0" smtClean="0"/>
+              <a:t>.</a:t>
+            </a:r>
+          </a:p>
+        </p:txBody>
+      </p:sp>
+    </p:spTree>
+    <p:extLst>
+      <p:ext uri="{BB962C8B-B14F-4D97-AF65-F5344CB8AC3E}">
+        <p14:creationId xmlns:p14="http://schemas.microsoft.com/office/powerpoint/2010/main" val="1995471058"/>
+      </p:ext>
+    </p:extLst>
+  </p:cSld>
+  <p:clrMapOvr>
+    <a:masterClrMapping/>
+  </p:clrMapOvr>
+  <p:timing>
+    <p:tnLst>
+      <p:par>
+        <p:cTn id="1" dur="indefinite" restart="never" nodeType="tmRoot"/>
+      </p:par>
+    </p:tnLst>
+  </p:timing>
+</p:sld>
+</file>
+
+<file path=ppt/slides/slide27.xml><?xml version="1.0" encoding="utf-8"?>
+<p:sld xmlns:a="http://schemas.openxmlformats.org/drawingml/2006/main" xmlns:r="http://schemas.openxmlformats.org/officeDocument/2006/relationships" xmlns:p="http://schemas.openxmlformats.org/presentationml/2006/main">
+  <p:cSld>
+    <p:spTree>
+      <p:nvGrpSpPr>
+        <p:cNvPr id="1" name=""/>
+        <p:cNvGrpSpPr/>
+        <p:nvPr/>
+      </p:nvGrpSpPr>
+      <p:grpSpPr>
+        <a:xfrm>
+          <a:off x="0" y="0"/>
+          <a:ext cx="0" cy="0"/>
+          <a:chOff x="0" y="0"/>
+          <a:chExt cx="0" cy="0"/>
+        </a:xfrm>
+      </p:grpSpPr>
+      <p:sp>
+        <p:nvSpPr>
+          <p:cNvPr id="2" name="제목 1"/>
+          <p:cNvSpPr>
+            <a:spLocks noGrp="1"/>
+          </p:cNvSpPr>
+          <p:nvPr>
+            <p:ph type="title"/>
+          </p:nvPr>
+        </p:nvSpPr>
         <p:spPr/>
         <p:txBody>
           <a:bodyPr/>
@@ -13383,7 +14496,7 @@
 </p:sld>
 </file>
 
-<file path=ppt/slides/slide26.xml><?xml version="1.0" encoding="utf-8"?>
+<file path=ppt/slides/slide28.xml><?xml version="1.0" encoding="utf-8"?>
 <p:sld xmlns:a="http://schemas.openxmlformats.org/drawingml/2006/main" xmlns:r="http://schemas.openxmlformats.org/officeDocument/2006/relationships" xmlns:p="http://schemas.openxmlformats.org/presentationml/2006/main">
   <p:cSld>
     <p:spTree>
@@ -14382,7 +15495,7 @@
 </p:sld>
 </file>
 
-<file path=ppt/slides/slide27.xml><?xml version="1.0" encoding="utf-8"?>
+<file path=ppt/slides/slide29.xml><?xml version="1.0" encoding="utf-8"?>
 <p:sld xmlns:a="http://schemas.openxmlformats.org/drawingml/2006/main" xmlns:r="http://schemas.openxmlformats.org/officeDocument/2006/relationships" xmlns:p="http://schemas.openxmlformats.org/presentationml/2006/main">
   <p:cSld>
     <p:spTree>
@@ -14464,1424 +15577,6 @@
     <p:extLst>
       <p:ext uri="{BB962C8B-B14F-4D97-AF65-F5344CB8AC3E}">
         <p14:creationId xmlns:p14="http://schemas.microsoft.com/office/powerpoint/2010/main" val="1746845536"/>
-      </p:ext>
-    </p:extLst>
-  </p:cSld>
-  <p:clrMapOvr>
-    <a:masterClrMapping/>
-  </p:clrMapOvr>
-  <p:timing>
-    <p:tnLst>
-      <p:par>
-        <p:cTn id="1" dur="indefinite" restart="never" nodeType="tmRoot"/>
-      </p:par>
-    </p:tnLst>
-  </p:timing>
-</p:sld>
-</file>
-
-<file path=ppt/slides/slide28.xml><?xml version="1.0" encoding="utf-8"?>
-<p:sld xmlns:a="http://schemas.openxmlformats.org/drawingml/2006/main" xmlns:r="http://schemas.openxmlformats.org/officeDocument/2006/relationships" xmlns:p="http://schemas.openxmlformats.org/presentationml/2006/main">
-  <p:cSld>
-    <p:spTree>
-      <p:nvGrpSpPr>
-        <p:cNvPr id="1" name=""/>
-        <p:cNvGrpSpPr/>
-        <p:nvPr/>
-      </p:nvGrpSpPr>
-      <p:grpSpPr>
-        <a:xfrm>
-          <a:off x="0" y="0"/>
-          <a:ext cx="0" cy="0"/>
-          <a:chOff x="0" y="0"/>
-          <a:chExt cx="0" cy="0"/>
-        </a:xfrm>
-      </p:grpSpPr>
-      <p:pic>
-        <p:nvPicPr>
-          <p:cNvPr id="4" name="그림 3"/>
-          <p:cNvPicPr>
-            <a:picLocks noChangeAspect="1"/>
-          </p:cNvPicPr>
-          <p:nvPr/>
-        </p:nvPicPr>
-        <p:blipFill>
-          <a:blip r:embed="rId2"/>
-          <a:stretch>
-            <a:fillRect/>
-          </a:stretch>
-        </p:blipFill>
-        <p:spPr>
-          <a:xfrm>
-            <a:off x="576563" y="1690688"/>
-            <a:ext cx="11038874" cy="5167312"/>
-          </a:xfrm>
-          <a:prstGeom prst="rect">
-            <a:avLst/>
-          </a:prstGeom>
-        </p:spPr>
-      </p:pic>
-      <p:sp>
-        <p:nvSpPr>
-          <p:cNvPr id="5" name="제목 1"/>
-          <p:cNvSpPr txBox="1">
-            <a:spLocks/>
-          </p:cNvSpPr>
-          <p:nvPr/>
-        </p:nvSpPr>
-        <p:spPr>
-          <a:xfrm>
-            <a:off x="332313" y="115546"/>
-            <a:ext cx="10515600" cy="1325563"/>
-          </a:xfrm>
-          <a:prstGeom prst="rect">
-            <a:avLst/>
-          </a:prstGeom>
-        </p:spPr>
-        <p:txBody>
-          <a:bodyPr vert="horz" lIns="91440" tIns="45720" rIns="91440" bIns="45720" rtlCol="0" anchor="ctr">
-            <a:normAutofit/>
-          </a:bodyPr>
-          <a:lstStyle>
-            <a:lvl1pPr algn="l" defTabSz="914400" rtl="0" eaLnBrk="1" latinLnBrk="1" hangingPunct="1">
-              <a:lnSpc>
-                <a:spcPct val="90000"/>
-              </a:lnSpc>
-              <a:spcBef>
-                <a:spcPct val="0"/>
-              </a:spcBef>
-              <a:buNone/>
-              <a:defRPr sz="4400" kern="1200">
-                <a:solidFill>
-                  <a:schemeClr val="tx1"/>
-                </a:solidFill>
-                <a:latin typeface="+mj-lt"/>
-                <a:ea typeface="+mj-ea"/>
-                <a:cs typeface="+mj-cs"/>
-              </a:defRPr>
-            </a:lvl1pPr>
-          </a:lstStyle>
-          <a:p>
-            <a:r>
-              <a:rPr kumimoji="1" lang="ko-KR" altLang="en-US" dirty="0" smtClean="0"/>
-              <a:t>이벤트 </a:t>
-            </a:r>
-            <a:r>
-              <a:rPr kumimoji="1" lang="ko-KR" altLang="en-US" dirty="0" err="1" smtClean="0"/>
-              <a:t>스토밍</a:t>
-            </a:r>
-            <a:r>
-              <a:rPr kumimoji="1" lang="ko-KR" altLang="en-US" dirty="0" smtClean="0"/>
-              <a:t> </a:t>
-            </a:r>
-            <a:r>
-              <a:rPr kumimoji="1" lang="en-US" altLang="ko-KR" dirty="0" smtClean="0"/>
-              <a:t>– </a:t>
-            </a:r>
-            <a:r>
-              <a:rPr kumimoji="1" lang="ko-KR" altLang="en-US" dirty="0" smtClean="0"/>
-              <a:t>마케팅 </a:t>
-            </a:r>
-            <a:r>
-              <a:rPr kumimoji="1" lang="en-US" altLang="ko-KR" dirty="0" smtClean="0"/>
-              <a:t>BC </a:t>
-            </a:r>
-            <a:r>
-              <a:rPr kumimoji="1" lang="ko-KR" altLang="en-US" dirty="0" smtClean="0"/>
-              <a:t>추가</a:t>
-            </a:r>
-            <a:endParaRPr kumimoji="1" lang="ko-KR" altLang="en-US" dirty="0"/>
-          </a:p>
-        </p:txBody>
-      </p:sp>
-    </p:spTree>
-    <p:extLst>
-      <p:ext uri="{BB962C8B-B14F-4D97-AF65-F5344CB8AC3E}">
-        <p14:creationId xmlns:p14="http://schemas.microsoft.com/office/powerpoint/2010/main" val="851764433"/>
-      </p:ext>
-    </p:extLst>
-  </p:cSld>
-  <p:clrMapOvr>
-    <a:masterClrMapping/>
-  </p:clrMapOvr>
-  <p:timing>
-    <p:tnLst>
-      <p:par>
-        <p:cTn id="1" dur="indefinite" restart="never" nodeType="tmRoot"/>
-      </p:par>
-    </p:tnLst>
-  </p:timing>
-</p:sld>
-</file>
-
-<file path=ppt/slides/slide29.xml><?xml version="1.0" encoding="utf-8"?>
-<p:sld xmlns:a="http://schemas.openxmlformats.org/drawingml/2006/main" xmlns:r="http://schemas.openxmlformats.org/officeDocument/2006/relationships" xmlns:p="http://schemas.openxmlformats.org/presentationml/2006/main">
-  <p:cSld>
-    <p:spTree>
-      <p:nvGrpSpPr>
-        <p:cNvPr id="1" name=""/>
-        <p:cNvGrpSpPr/>
-        <p:nvPr/>
-      </p:nvGrpSpPr>
-      <p:grpSpPr>
-        <a:xfrm>
-          <a:off x="0" y="0"/>
-          <a:ext cx="0" cy="0"/>
-          <a:chOff x="0" y="0"/>
-          <a:chExt cx="0" cy="0"/>
-        </a:xfrm>
-      </p:grpSpPr>
-      <p:sp>
-        <p:nvSpPr>
-          <p:cNvPr id="2" name="제목 1"/>
-          <p:cNvSpPr>
-            <a:spLocks noGrp="1"/>
-          </p:cNvSpPr>
-          <p:nvPr>
-            <p:ph type="title"/>
-          </p:nvPr>
-        </p:nvSpPr>
-        <p:spPr>
-          <a:xfrm>
-            <a:off x="332313" y="115546"/>
-            <a:ext cx="10515600" cy="1325563"/>
-          </a:xfrm>
-        </p:spPr>
-        <p:txBody>
-          <a:bodyPr/>
-          <a:lstStyle/>
-          <a:p>
-            <a:r>
-              <a:rPr kumimoji="1" lang="ko-KR" altLang="en-US" dirty="0" smtClean="0"/>
-              <a:t>헥사고날 아키텍처 </a:t>
-            </a:r>
-            <a:endParaRPr kumimoji="1" lang="ko-KR" altLang="en-US" dirty="0"/>
-          </a:p>
-        </p:txBody>
-      </p:sp>
-      <p:sp>
-        <p:nvSpPr>
-          <p:cNvPr id="4" name="원통[C] 3"/>
-          <p:cNvSpPr/>
-          <p:nvPr/>
-        </p:nvSpPr>
-        <p:spPr>
-          <a:xfrm rot="5400000">
-            <a:off x="5843828" y="-3904684"/>
-            <a:ext cx="481263" cy="11190744"/>
-          </a:xfrm>
-          <a:prstGeom prst="can">
-            <a:avLst/>
-          </a:prstGeom>
-        </p:spPr>
-        <p:style>
-          <a:lnRef idx="2">
-            <a:schemeClr val="accent1">
-              <a:shade val="50000"/>
-            </a:schemeClr>
-          </a:lnRef>
-          <a:fillRef idx="1">
-            <a:schemeClr val="accent1"/>
-          </a:fillRef>
-          <a:effectRef idx="0">
-            <a:schemeClr val="accent1"/>
-          </a:effectRef>
-          <a:fontRef idx="minor">
-            <a:schemeClr val="lt1"/>
-          </a:fontRef>
-        </p:style>
-        <p:txBody>
-          <a:bodyPr rtlCol="0" anchor="ctr"/>
-          <a:lstStyle/>
-          <a:p>
-            <a:pPr algn="ctr"/>
-            <a:endParaRPr kumimoji="1" lang="ko-KR" altLang="en-US" dirty="0"/>
-          </a:p>
-        </p:txBody>
-      </p:sp>
-      <p:sp>
-        <p:nvSpPr>
-          <p:cNvPr id="5" name="TextBox 4"/>
-          <p:cNvSpPr txBox="1"/>
-          <p:nvPr/>
-        </p:nvSpPr>
-        <p:spPr>
-          <a:xfrm>
-            <a:off x="4392636" y="1488434"/>
-            <a:ext cx="3414567" cy="369332"/>
-          </a:xfrm>
-          <a:prstGeom prst="rect">
-            <a:avLst/>
-          </a:prstGeom>
-          <a:noFill/>
-        </p:spPr>
-        <p:txBody>
-          <a:bodyPr wrap="square" rtlCol="0">
-            <a:spAutoFit/>
-          </a:bodyPr>
-          <a:lstStyle/>
-          <a:p>
-            <a:r>
-              <a:rPr kumimoji="1" lang="ko-KR" altLang="en-US" dirty="0" smtClean="0">
-                <a:solidFill>
-                  <a:schemeClr val="bg1"/>
-                </a:solidFill>
-              </a:rPr>
-              <a:t>분산 이벤트 스트림</a:t>
-            </a:r>
-            <a:r>
-              <a:rPr kumimoji="1" lang="en-US" altLang="ko-KR" dirty="0" smtClean="0">
-                <a:solidFill>
-                  <a:schemeClr val="bg1"/>
-                </a:solidFill>
-              </a:rPr>
-              <a:t> (Kafka)</a:t>
-            </a:r>
-            <a:endParaRPr kumimoji="1" lang="ko-KR" altLang="en-US" dirty="0">
-              <a:solidFill>
-                <a:schemeClr val="bg1"/>
-              </a:solidFill>
-            </a:endParaRPr>
-          </a:p>
-        </p:txBody>
-      </p:sp>
-      <p:grpSp>
-        <p:nvGrpSpPr>
-          <p:cNvPr id="43" name="그룹 42"/>
-          <p:cNvGrpSpPr/>
-          <p:nvPr/>
-        </p:nvGrpSpPr>
-        <p:grpSpPr>
-          <a:xfrm>
-            <a:off x="4231328" y="2537388"/>
-            <a:ext cx="2708548" cy="1663247"/>
-            <a:chOff x="3680661" y="2117559"/>
-            <a:chExt cx="3218594" cy="1941094"/>
-          </a:xfrm>
-        </p:grpSpPr>
-        <p:sp>
-          <p:nvSpPr>
-            <p:cNvPr id="7" name="육각형[H] 6"/>
-            <p:cNvSpPr/>
-            <p:nvPr/>
-          </p:nvSpPr>
-          <p:spPr>
-            <a:xfrm>
-              <a:off x="4134852" y="2117559"/>
-              <a:ext cx="2294022" cy="1941094"/>
-            </a:xfrm>
-            <a:prstGeom prst="hexagon">
-              <a:avLst/>
-            </a:prstGeom>
-            <a:solidFill>
-              <a:schemeClr val="accent6"/>
-            </a:solidFill>
-          </p:spPr>
-          <p:style>
-            <a:lnRef idx="2">
-              <a:schemeClr val="accent1">
-                <a:shade val="50000"/>
-              </a:schemeClr>
-            </a:lnRef>
-            <a:fillRef idx="1">
-              <a:schemeClr val="accent1"/>
-            </a:fillRef>
-            <a:effectRef idx="0">
-              <a:schemeClr val="accent1"/>
-            </a:effectRef>
-            <a:fontRef idx="minor">
-              <a:schemeClr val="lt1"/>
-            </a:fontRef>
-          </p:style>
-          <p:txBody>
-            <a:bodyPr rtlCol="0" anchor="ctr"/>
-            <a:lstStyle/>
-            <a:p>
-              <a:pPr algn="ctr"/>
-              <a:r>
-                <a:rPr kumimoji="1" lang="en-US" altLang="ko-KR" dirty="0" smtClean="0"/>
-                <a:t>pay</a:t>
-              </a:r>
-              <a:endParaRPr kumimoji="1" lang="ko-KR" altLang="en-US" dirty="0"/>
-            </a:p>
-          </p:txBody>
-        </p:sp>
-        <p:sp>
-          <p:nvSpPr>
-            <p:cNvPr id="11" name="육각형[H] 10"/>
-            <p:cNvSpPr/>
-            <p:nvPr/>
-          </p:nvSpPr>
-          <p:spPr>
-            <a:xfrm>
-              <a:off x="4639176" y="2512596"/>
-              <a:ext cx="1285374" cy="1151020"/>
-            </a:xfrm>
-            <a:prstGeom prst="hexagon">
-              <a:avLst/>
-            </a:prstGeom>
-            <a:solidFill>
-              <a:srgbClr val="FFFF00"/>
-            </a:solidFill>
-          </p:spPr>
-          <p:style>
-            <a:lnRef idx="2">
-              <a:schemeClr val="accent1">
-                <a:shade val="50000"/>
-              </a:schemeClr>
-            </a:lnRef>
-            <a:fillRef idx="1">
-              <a:schemeClr val="accent1"/>
-            </a:fillRef>
-            <a:effectRef idx="0">
-              <a:schemeClr val="accent1"/>
-            </a:effectRef>
-            <a:fontRef idx="minor">
-              <a:schemeClr val="lt1"/>
-            </a:fontRef>
-          </p:style>
-          <p:txBody>
-            <a:bodyPr rtlCol="0" anchor="ctr"/>
-            <a:lstStyle/>
-            <a:p>
-              <a:pPr algn="ctr"/>
-              <a:r>
-                <a:rPr kumimoji="1" lang="en-US" altLang="ko-KR" dirty="0" smtClean="0">
-                  <a:solidFill>
-                    <a:schemeClr val="tx1"/>
-                  </a:solidFill>
-                </a:rPr>
-                <a:t>payment</a:t>
-              </a:r>
-              <a:endParaRPr kumimoji="1" lang="ko-KR" altLang="en-US" dirty="0">
-                <a:solidFill>
-                  <a:schemeClr val="tx1"/>
-                </a:solidFill>
-              </a:endParaRPr>
-            </a:p>
-          </p:txBody>
-        </p:sp>
-        <p:sp>
-          <p:nvSpPr>
-            <p:cNvPr id="16" name="직사각형 15"/>
-            <p:cNvSpPr/>
-            <p:nvPr/>
-          </p:nvSpPr>
-          <p:spPr>
-            <a:xfrm>
-              <a:off x="3680661" y="2326103"/>
-              <a:ext cx="1269834" cy="356939"/>
-            </a:xfrm>
-            <a:prstGeom prst="rect">
-              <a:avLst/>
-            </a:prstGeom>
-          </p:spPr>
-          <p:style>
-            <a:lnRef idx="2">
-              <a:schemeClr val="accent1">
-                <a:shade val="50000"/>
-              </a:schemeClr>
-            </a:lnRef>
-            <a:fillRef idx="1">
-              <a:schemeClr val="accent1"/>
-            </a:fillRef>
-            <a:effectRef idx="0">
-              <a:schemeClr val="accent1"/>
-            </a:effectRef>
-            <a:fontRef idx="minor">
-              <a:schemeClr val="lt1"/>
-            </a:fontRef>
-          </p:style>
-          <p:txBody>
-            <a:bodyPr rtlCol="0" anchor="ctr"/>
-            <a:lstStyle/>
-            <a:p>
-              <a:pPr algn="ctr"/>
-              <a:r>
-                <a:rPr kumimoji="1" lang="en-US" altLang="ko-KR" sz="1050" smtClean="0"/>
-                <a:t>REST Adaptor</a:t>
-              </a:r>
-              <a:endParaRPr kumimoji="1" lang="ko-KR" altLang="en-US" sz="1050" dirty="0"/>
-            </a:p>
-          </p:txBody>
-        </p:sp>
-        <p:sp>
-          <p:nvSpPr>
-            <p:cNvPr id="19" name="직사각형 18"/>
-            <p:cNvSpPr/>
-            <p:nvPr/>
-          </p:nvSpPr>
-          <p:spPr>
-            <a:xfrm>
-              <a:off x="5864038" y="2821465"/>
-              <a:ext cx="1035217" cy="502193"/>
-            </a:xfrm>
-            <a:prstGeom prst="rect">
-              <a:avLst/>
-            </a:prstGeom>
-            <a:solidFill>
-              <a:srgbClr val="FFC000"/>
-            </a:solidFill>
-          </p:spPr>
-          <p:style>
-            <a:lnRef idx="2">
-              <a:schemeClr val="accent1">
-                <a:shade val="50000"/>
-              </a:schemeClr>
-            </a:lnRef>
-            <a:fillRef idx="1">
-              <a:schemeClr val="accent1"/>
-            </a:fillRef>
-            <a:effectRef idx="0">
-              <a:schemeClr val="accent1"/>
-            </a:effectRef>
-            <a:fontRef idx="minor">
-              <a:schemeClr val="lt1"/>
-            </a:fontRef>
-          </p:style>
-          <p:txBody>
-            <a:bodyPr rtlCol="0" anchor="ctr"/>
-            <a:lstStyle/>
-            <a:p>
-              <a:pPr algn="ctr"/>
-              <a:r>
-                <a:rPr kumimoji="1" lang="en-US" altLang="ko-KR" sz="1200" dirty="0" smtClean="0">
-                  <a:solidFill>
-                    <a:schemeClr val="tx1"/>
-                  </a:solidFill>
-                </a:rPr>
-                <a:t>Kafka Publisher</a:t>
-              </a:r>
-              <a:endParaRPr kumimoji="1" lang="ko-KR" altLang="en-US" sz="1200" dirty="0">
-                <a:solidFill>
-                  <a:schemeClr val="tx1"/>
-                </a:solidFill>
-              </a:endParaRPr>
-            </a:p>
-          </p:txBody>
-        </p:sp>
-      </p:grpSp>
-      <p:sp>
-        <p:nvSpPr>
-          <p:cNvPr id="6" name="육각형[H] 5"/>
-          <p:cNvSpPr/>
-          <p:nvPr/>
-        </p:nvSpPr>
-        <p:spPr>
-          <a:xfrm>
-            <a:off x="897233" y="2568904"/>
-            <a:ext cx="1916663" cy="1623567"/>
-          </a:xfrm>
-          <a:prstGeom prst="hexagon">
-            <a:avLst/>
-          </a:prstGeom>
-          <a:solidFill>
-            <a:schemeClr val="accent6"/>
-          </a:solidFill>
-        </p:spPr>
-        <p:style>
-          <a:lnRef idx="2">
-            <a:schemeClr val="accent1">
-              <a:shade val="50000"/>
-            </a:schemeClr>
-          </a:lnRef>
-          <a:fillRef idx="1">
-            <a:schemeClr val="accent1"/>
-          </a:fillRef>
-          <a:effectRef idx="0">
-            <a:schemeClr val="accent1"/>
-          </a:effectRef>
-          <a:fontRef idx="minor">
-            <a:schemeClr val="lt1"/>
-          </a:fontRef>
-        </p:style>
-        <p:txBody>
-          <a:bodyPr rtlCol="0" anchor="ctr"/>
-          <a:lstStyle/>
-          <a:p>
-            <a:pPr algn="ctr"/>
-            <a:r>
-              <a:rPr kumimoji="1" lang="en-US" altLang="ko-KR" sz="1200" dirty="0" smtClean="0"/>
-              <a:t>app</a:t>
-            </a:r>
-            <a:endParaRPr kumimoji="1" lang="ko-KR" altLang="en-US" sz="1200" dirty="0"/>
-          </a:p>
-        </p:txBody>
-      </p:sp>
-      <p:sp>
-        <p:nvSpPr>
-          <p:cNvPr id="10" name="육각형[H] 9"/>
-          <p:cNvSpPr/>
-          <p:nvPr/>
-        </p:nvSpPr>
-        <p:spPr>
-          <a:xfrm>
-            <a:off x="1322786" y="2904352"/>
-            <a:ext cx="1073934" cy="962735"/>
-          </a:xfrm>
-          <a:prstGeom prst="hexagon">
-            <a:avLst/>
-          </a:prstGeom>
-          <a:solidFill>
-            <a:srgbClr val="FFFF00"/>
-          </a:solidFill>
-        </p:spPr>
-        <p:style>
-          <a:lnRef idx="2">
-            <a:schemeClr val="accent1">
-              <a:shade val="50000"/>
-            </a:schemeClr>
-          </a:lnRef>
-          <a:fillRef idx="1">
-            <a:schemeClr val="accent1"/>
-          </a:fillRef>
-          <a:effectRef idx="0">
-            <a:schemeClr val="accent1"/>
-          </a:effectRef>
-          <a:fontRef idx="minor">
-            <a:schemeClr val="lt1"/>
-          </a:fontRef>
-        </p:style>
-        <p:txBody>
-          <a:bodyPr rtlCol="0" anchor="ctr"/>
-          <a:lstStyle/>
-          <a:p>
-            <a:pPr algn="ctr"/>
-            <a:r>
-              <a:rPr kumimoji="1" lang="en-US" altLang="ko-KR" sz="2000" dirty="0" smtClean="0">
-                <a:solidFill>
-                  <a:schemeClr val="tx1"/>
-                </a:solidFill>
-              </a:rPr>
-              <a:t>reservation</a:t>
-            </a:r>
-            <a:endParaRPr kumimoji="1" lang="ko-KR" altLang="en-US" sz="2000" dirty="0">
-              <a:solidFill>
-                <a:schemeClr val="tx1"/>
-              </a:solidFill>
-            </a:endParaRPr>
-          </a:p>
-        </p:txBody>
-      </p:sp>
-      <p:sp>
-        <p:nvSpPr>
-          <p:cNvPr id="14" name="직사각형 13"/>
-          <p:cNvSpPr/>
-          <p:nvPr/>
-        </p:nvSpPr>
-        <p:spPr>
-          <a:xfrm>
-            <a:off x="281794" y="3155096"/>
-            <a:ext cx="1025768" cy="295194"/>
-          </a:xfrm>
-          <a:prstGeom prst="rect">
-            <a:avLst/>
-          </a:prstGeom>
-        </p:spPr>
-        <p:style>
-          <a:lnRef idx="2">
-            <a:schemeClr val="accent1">
-              <a:shade val="50000"/>
-            </a:schemeClr>
-          </a:lnRef>
-          <a:fillRef idx="1">
-            <a:schemeClr val="accent1"/>
-          </a:fillRef>
-          <a:effectRef idx="0">
-            <a:schemeClr val="accent1"/>
-          </a:effectRef>
-          <a:fontRef idx="minor">
-            <a:schemeClr val="lt1"/>
-          </a:fontRef>
-        </p:style>
-        <p:txBody>
-          <a:bodyPr rtlCol="0" anchor="ctr"/>
-          <a:lstStyle/>
-          <a:p>
-            <a:pPr algn="ctr"/>
-            <a:r>
-              <a:rPr kumimoji="1" lang="en-US" altLang="ko-KR" sz="1000" dirty="0" smtClean="0"/>
-              <a:t>REST Adaptor</a:t>
-            </a:r>
-            <a:r>
-              <a:rPr kumimoji="1" lang="ko-KR" altLang="en-US" sz="1000" dirty="0" smtClean="0"/>
-              <a:t> </a:t>
-            </a:r>
-            <a:endParaRPr kumimoji="1" lang="ko-KR" altLang="en-US" sz="1000" dirty="0"/>
-          </a:p>
-        </p:txBody>
-      </p:sp>
-      <p:sp>
-        <p:nvSpPr>
-          <p:cNvPr id="24" name="직사각형 23"/>
-          <p:cNvSpPr/>
-          <p:nvPr/>
-        </p:nvSpPr>
-        <p:spPr>
-          <a:xfrm>
-            <a:off x="332313" y="2707200"/>
-            <a:ext cx="1067859" cy="343835"/>
-          </a:xfrm>
-          <a:prstGeom prst="rect">
-            <a:avLst/>
-          </a:prstGeom>
-          <a:solidFill>
-            <a:srgbClr val="D4A2C1"/>
-          </a:solidFill>
-        </p:spPr>
-        <p:style>
-          <a:lnRef idx="2">
-            <a:schemeClr val="accent1">
-              <a:shade val="50000"/>
-            </a:schemeClr>
-          </a:lnRef>
-          <a:fillRef idx="1">
-            <a:schemeClr val="accent1"/>
-          </a:fillRef>
-          <a:effectRef idx="0">
-            <a:schemeClr val="accent1"/>
-          </a:effectRef>
-          <a:fontRef idx="minor">
-            <a:schemeClr val="lt1"/>
-          </a:fontRef>
-        </p:style>
-        <p:txBody>
-          <a:bodyPr rtlCol="0" anchor="ctr"/>
-          <a:lstStyle/>
-          <a:p>
-            <a:pPr algn="ctr"/>
-            <a:r>
-              <a:rPr kumimoji="1" lang="en-US" altLang="ko-KR" sz="1000" dirty="0" smtClean="0">
-                <a:solidFill>
-                  <a:schemeClr val="tx1"/>
-                </a:solidFill>
-              </a:rPr>
-              <a:t>Kafka Listener</a:t>
-            </a:r>
-          </a:p>
-        </p:txBody>
-      </p:sp>
-      <p:sp>
-        <p:nvSpPr>
-          <p:cNvPr id="25" name="직사각형 24"/>
-          <p:cNvSpPr/>
-          <p:nvPr/>
-        </p:nvSpPr>
-        <p:spPr>
-          <a:xfrm>
-            <a:off x="2293987" y="3217846"/>
-            <a:ext cx="864927" cy="420044"/>
-          </a:xfrm>
-          <a:prstGeom prst="rect">
-            <a:avLst/>
-          </a:prstGeom>
-          <a:solidFill>
-            <a:srgbClr val="FFC000"/>
-          </a:solidFill>
-        </p:spPr>
-        <p:style>
-          <a:lnRef idx="2">
-            <a:schemeClr val="accent1">
-              <a:shade val="50000"/>
-            </a:schemeClr>
-          </a:lnRef>
-          <a:fillRef idx="1">
-            <a:schemeClr val="accent1"/>
-          </a:fillRef>
-          <a:effectRef idx="0">
-            <a:schemeClr val="accent1"/>
-          </a:effectRef>
-          <a:fontRef idx="minor">
-            <a:schemeClr val="lt1"/>
-          </a:fontRef>
-        </p:style>
-        <p:txBody>
-          <a:bodyPr rtlCol="0" anchor="ctr"/>
-          <a:lstStyle/>
-          <a:p>
-            <a:pPr algn="ctr"/>
-            <a:r>
-              <a:rPr kumimoji="1" lang="en-US" altLang="ko-KR" sz="1200" dirty="0">
-                <a:solidFill>
-                  <a:schemeClr val="tx1"/>
-                </a:solidFill>
-              </a:rPr>
-              <a:t>Kafka </a:t>
-            </a:r>
-            <a:r>
-              <a:rPr kumimoji="1" lang="en-US" altLang="ko-KR" sz="1200" dirty="0" err="1">
-                <a:solidFill>
-                  <a:schemeClr val="tx1"/>
-                </a:solidFill>
-              </a:rPr>
-              <a:t>publiser</a:t>
-            </a:r>
-            <a:endParaRPr kumimoji="1" lang="en-US" altLang="ko-KR" sz="1200" dirty="0">
-              <a:solidFill>
-                <a:schemeClr val="tx1"/>
-              </a:solidFill>
-            </a:endParaRPr>
-          </a:p>
-        </p:txBody>
-      </p:sp>
-      <p:cxnSp>
-        <p:nvCxnSpPr>
-          <p:cNvPr id="27" name="직선 화살표 연결선 26"/>
-          <p:cNvCxnSpPr>
-            <a:stCxn id="25" idx="0"/>
-          </p:cNvCxnSpPr>
-          <p:nvPr/>
-        </p:nvCxnSpPr>
-        <p:spPr>
-          <a:xfrm flipH="1" flipV="1">
-            <a:off x="2716789" y="1931200"/>
-            <a:ext cx="9662" cy="1286646"/>
-          </a:xfrm>
-          <a:prstGeom prst="straightConnector1">
-            <a:avLst/>
-          </a:prstGeom>
-          <a:ln w="38100">
-            <a:solidFill>
-              <a:schemeClr val="tx1"/>
-            </a:solidFill>
-            <a:prstDash val="sysDash"/>
-            <a:tailEnd type="triangle"/>
-          </a:ln>
-        </p:spPr>
-        <p:style>
-          <a:lnRef idx="1">
-            <a:schemeClr val="accent1"/>
-          </a:lnRef>
-          <a:fillRef idx="0">
-            <a:schemeClr val="accent1"/>
-          </a:fillRef>
-          <a:effectRef idx="0">
-            <a:schemeClr val="accent1"/>
-          </a:effectRef>
-          <a:fontRef idx="minor">
-            <a:schemeClr val="tx1"/>
-          </a:fontRef>
-        </p:style>
-      </p:cxnSp>
-      <p:cxnSp>
-        <p:nvCxnSpPr>
-          <p:cNvPr id="35" name="직선 화살표 연결선 34"/>
-          <p:cNvCxnSpPr>
-            <a:endCxn id="24" idx="0"/>
-          </p:cNvCxnSpPr>
-          <p:nvPr/>
-        </p:nvCxnSpPr>
-        <p:spPr>
-          <a:xfrm flipH="1">
-            <a:off x="866243" y="1949213"/>
-            <a:ext cx="16718" cy="757987"/>
-          </a:xfrm>
-          <a:prstGeom prst="straightConnector1">
-            <a:avLst/>
-          </a:prstGeom>
-          <a:ln w="38100">
-            <a:solidFill>
-              <a:schemeClr val="tx1"/>
-            </a:solidFill>
-            <a:prstDash val="sysDash"/>
-            <a:tailEnd type="triangle"/>
-          </a:ln>
-        </p:spPr>
-        <p:style>
-          <a:lnRef idx="1">
-            <a:schemeClr val="accent1"/>
-          </a:lnRef>
-          <a:fillRef idx="0">
-            <a:schemeClr val="accent1"/>
-          </a:fillRef>
-          <a:effectRef idx="0">
-            <a:schemeClr val="accent1"/>
-          </a:effectRef>
-          <a:fontRef idx="minor">
-            <a:schemeClr val="tx1"/>
-          </a:fontRef>
-        </p:style>
-      </p:cxnSp>
-      <p:grpSp>
-        <p:nvGrpSpPr>
-          <p:cNvPr id="44" name="그룹 43"/>
-          <p:cNvGrpSpPr/>
-          <p:nvPr/>
-        </p:nvGrpSpPr>
-        <p:grpSpPr>
-          <a:xfrm>
-            <a:off x="7897456" y="2537388"/>
-            <a:ext cx="2484059" cy="1719275"/>
-            <a:chOff x="6635414" y="2117559"/>
-            <a:chExt cx="2986061" cy="1941094"/>
-          </a:xfrm>
-        </p:grpSpPr>
-        <p:sp>
-          <p:nvSpPr>
-            <p:cNvPr id="8" name="육각형[H] 7"/>
-            <p:cNvSpPr/>
-            <p:nvPr/>
-          </p:nvSpPr>
-          <p:spPr>
-            <a:xfrm>
-              <a:off x="6902115" y="2117559"/>
-              <a:ext cx="2294022" cy="1941094"/>
-            </a:xfrm>
-            <a:prstGeom prst="hexagon">
-              <a:avLst/>
-            </a:prstGeom>
-            <a:solidFill>
-              <a:schemeClr val="accent6"/>
-            </a:solidFill>
-          </p:spPr>
-          <p:style>
-            <a:lnRef idx="2">
-              <a:schemeClr val="accent1">
-                <a:shade val="50000"/>
-              </a:schemeClr>
-            </a:lnRef>
-            <a:fillRef idx="1">
-              <a:schemeClr val="accent1"/>
-            </a:fillRef>
-            <a:effectRef idx="0">
-              <a:schemeClr val="accent1"/>
-            </a:effectRef>
-            <a:fontRef idx="minor">
-              <a:schemeClr val="lt1"/>
-            </a:fontRef>
-          </p:style>
-          <p:txBody>
-            <a:bodyPr rtlCol="0" anchor="ctr"/>
-            <a:lstStyle/>
-            <a:p>
-              <a:pPr algn="ctr"/>
-              <a:r>
-                <a:rPr kumimoji="1" lang="en-US" altLang="ko-KR" sz="1400" dirty="0" smtClean="0"/>
-                <a:t>store</a:t>
-              </a:r>
-              <a:endParaRPr kumimoji="1" lang="ko-KR" altLang="en-US" sz="1400" dirty="0"/>
-            </a:p>
-          </p:txBody>
-        </p:sp>
-        <p:sp>
-          <p:nvSpPr>
-            <p:cNvPr id="12" name="육각형[H] 11"/>
-            <p:cNvSpPr/>
-            <p:nvPr/>
-          </p:nvSpPr>
-          <p:spPr>
-            <a:xfrm>
-              <a:off x="7420476" y="2512596"/>
-              <a:ext cx="1285374" cy="1151020"/>
-            </a:xfrm>
-            <a:prstGeom prst="hexagon">
-              <a:avLst/>
-            </a:prstGeom>
-            <a:solidFill>
-              <a:srgbClr val="FFFF00"/>
-            </a:solidFill>
-          </p:spPr>
-          <p:style>
-            <a:lnRef idx="2">
-              <a:schemeClr val="accent1">
-                <a:shade val="50000"/>
-              </a:schemeClr>
-            </a:lnRef>
-            <a:fillRef idx="1">
-              <a:schemeClr val="accent1"/>
-            </a:fillRef>
-            <a:effectRef idx="0">
-              <a:schemeClr val="accent1"/>
-            </a:effectRef>
-            <a:fontRef idx="minor">
-              <a:schemeClr val="lt1"/>
-            </a:fontRef>
-          </p:style>
-          <p:txBody>
-            <a:bodyPr rtlCol="0" anchor="ctr"/>
-            <a:lstStyle/>
-            <a:p>
-              <a:pPr algn="ctr"/>
-              <a:r>
-                <a:rPr kumimoji="1" lang="en-US" altLang="ko-KR" sz="1200" dirty="0" err="1" smtClean="0">
-                  <a:solidFill>
-                    <a:schemeClr val="tx1"/>
-                  </a:solidFill>
-                </a:rPr>
-                <a:t>reservationmanagement</a:t>
-              </a:r>
-              <a:endParaRPr kumimoji="1" lang="ko-KR" altLang="en-US" sz="1200" dirty="0">
-                <a:solidFill>
-                  <a:schemeClr val="tx1"/>
-                </a:solidFill>
-              </a:endParaRPr>
-            </a:p>
-          </p:txBody>
-        </p:sp>
-        <p:sp>
-          <p:nvSpPr>
-            <p:cNvPr id="22" name="직사각형 21"/>
-            <p:cNvSpPr/>
-            <p:nvPr/>
-          </p:nvSpPr>
-          <p:spPr>
-            <a:xfrm>
-              <a:off x="6635414" y="2337257"/>
-              <a:ext cx="1035217" cy="411080"/>
-            </a:xfrm>
-            <a:prstGeom prst="rect">
-              <a:avLst/>
-            </a:prstGeom>
-            <a:solidFill>
-              <a:srgbClr val="D4A2C1"/>
-            </a:solidFill>
-          </p:spPr>
-          <p:style>
-            <a:lnRef idx="2">
-              <a:schemeClr val="accent1">
-                <a:shade val="50000"/>
-              </a:schemeClr>
-            </a:lnRef>
-            <a:fillRef idx="1">
-              <a:schemeClr val="accent1"/>
-            </a:fillRef>
-            <a:effectRef idx="0">
-              <a:schemeClr val="accent1"/>
-            </a:effectRef>
-            <a:fontRef idx="minor">
-              <a:schemeClr val="lt1"/>
-            </a:fontRef>
-          </p:style>
-          <p:txBody>
-            <a:bodyPr rtlCol="0" anchor="ctr"/>
-            <a:lstStyle/>
-            <a:p>
-              <a:pPr algn="ctr"/>
-              <a:r>
-                <a:rPr kumimoji="1" lang="en-US" altLang="ko-KR" sz="1050" dirty="0" smtClean="0">
-                  <a:solidFill>
-                    <a:schemeClr val="tx1"/>
-                  </a:solidFill>
-                </a:rPr>
-                <a:t>Kafka Listener</a:t>
-              </a:r>
-            </a:p>
-          </p:txBody>
-        </p:sp>
-        <p:sp>
-          <p:nvSpPr>
-            <p:cNvPr id="41" name="직사각형 40"/>
-            <p:cNvSpPr/>
-            <p:nvPr/>
-          </p:nvSpPr>
-          <p:spPr>
-            <a:xfrm>
-              <a:off x="8586258" y="2739723"/>
-              <a:ext cx="1035217" cy="502193"/>
-            </a:xfrm>
-            <a:prstGeom prst="rect">
-              <a:avLst/>
-            </a:prstGeom>
-            <a:solidFill>
-              <a:srgbClr val="FFC000"/>
-            </a:solidFill>
-          </p:spPr>
-          <p:style>
-            <a:lnRef idx="2">
-              <a:schemeClr val="accent1">
-                <a:shade val="50000"/>
-              </a:schemeClr>
-            </a:lnRef>
-            <a:fillRef idx="1">
-              <a:schemeClr val="accent1"/>
-            </a:fillRef>
-            <a:effectRef idx="0">
-              <a:schemeClr val="accent1"/>
-            </a:effectRef>
-            <a:fontRef idx="minor">
-              <a:schemeClr val="lt1"/>
-            </a:fontRef>
-          </p:style>
-          <p:txBody>
-            <a:bodyPr rtlCol="0" anchor="ctr"/>
-            <a:lstStyle/>
-            <a:p>
-              <a:pPr algn="ctr"/>
-              <a:r>
-                <a:rPr kumimoji="1" lang="en-US" altLang="ko-KR" sz="1200" dirty="0" smtClean="0">
-                  <a:solidFill>
-                    <a:schemeClr val="tx1"/>
-                  </a:solidFill>
-                </a:rPr>
-                <a:t>Kafka Publisher</a:t>
-              </a:r>
-              <a:endParaRPr kumimoji="1" lang="ko-KR" altLang="en-US" sz="1200" dirty="0">
-                <a:solidFill>
-                  <a:schemeClr val="tx1"/>
-                </a:solidFill>
-              </a:endParaRPr>
-            </a:p>
-          </p:txBody>
-        </p:sp>
-      </p:grpSp>
-      <p:cxnSp>
-        <p:nvCxnSpPr>
-          <p:cNvPr id="47" name="꺾인 연결선[E] 46"/>
-          <p:cNvCxnSpPr>
-            <a:stCxn id="53" idx="3"/>
-            <a:endCxn id="16" idx="1"/>
-          </p:cNvCxnSpPr>
-          <p:nvPr/>
-        </p:nvCxnSpPr>
-        <p:spPr>
-          <a:xfrm flipV="1">
-            <a:off x="3127585" y="2869005"/>
-            <a:ext cx="1103743" cy="1059927"/>
-          </a:xfrm>
-          <a:prstGeom prst="bentConnector3">
-            <a:avLst>
-              <a:gd name="adj1" fmla="val 50000"/>
-            </a:avLst>
-          </a:prstGeom>
-          <a:ln w="28575">
-            <a:solidFill>
-              <a:schemeClr val="tx1"/>
-            </a:solidFill>
-            <a:tailEnd type="triangle"/>
-          </a:ln>
-        </p:spPr>
-        <p:style>
-          <a:lnRef idx="1">
-            <a:schemeClr val="accent1"/>
-          </a:lnRef>
-          <a:fillRef idx="0">
-            <a:schemeClr val="accent1"/>
-          </a:fillRef>
-          <a:effectRef idx="0">
-            <a:schemeClr val="accent1"/>
-          </a:effectRef>
-          <a:fontRef idx="minor">
-            <a:schemeClr val="tx1"/>
-          </a:fontRef>
-        </p:style>
-      </p:cxnSp>
-      <p:sp>
-        <p:nvSpPr>
-          <p:cNvPr id="53" name="직사각형 52"/>
-          <p:cNvSpPr/>
-          <p:nvPr/>
-        </p:nvSpPr>
-        <p:spPr>
-          <a:xfrm>
-            <a:off x="2262658" y="3718910"/>
-            <a:ext cx="864927" cy="420044"/>
-          </a:xfrm>
-          <a:prstGeom prst="rect">
-            <a:avLst/>
-          </a:prstGeom>
-          <a:solidFill>
-            <a:schemeClr val="accent1"/>
-          </a:solidFill>
-        </p:spPr>
-        <p:style>
-          <a:lnRef idx="2">
-            <a:schemeClr val="accent1">
-              <a:shade val="50000"/>
-            </a:schemeClr>
-          </a:lnRef>
-          <a:fillRef idx="1">
-            <a:schemeClr val="accent1"/>
-          </a:fillRef>
-          <a:effectRef idx="0">
-            <a:schemeClr val="accent1"/>
-          </a:effectRef>
-          <a:fontRef idx="minor">
-            <a:schemeClr val="lt1"/>
-          </a:fontRef>
-        </p:style>
-        <p:txBody>
-          <a:bodyPr rtlCol="0" anchor="ctr"/>
-          <a:lstStyle/>
-          <a:p>
-            <a:pPr algn="ctr"/>
-            <a:r>
-              <a:rPr kumimoji="1" lang="en-US" altLang="ko-KR" sz="1000" dirty="0" smtClean="0">
-                <a:solidFill>
-                  <a:schemeClr val="tx1"/>
-                </a:solidFill>
-              </a:rPr>
-              <a:t>REST Invoker</a:t>
-            </a:r>
-            <a:endParaRPr kumimoji="1" lang="en-US" altLang="ko-KR" sz="1000" dirty="0">
-              <a:solidFill>
-                <a:schemeClr val="tx1"/>
-              </a:solidFill>
-            </a:endParaRPr>
-          </a:p>
-        </p:txBody>
-      </p:sp>
-      <p:cxnSp>
-        <p:nvCxnSpPr>
-          <p:cNvPr id="56" name="직선 화살표 연결선 55"/>
-          <p:cNvCxnSpPr>
-            <a:stCxn id="19" idx="0"/>
-          </p:cNvCxnSpPr>
-          <p:nvPr/>
-        </p:nvCxnSpPr>
-        <p:spPr>
-          <a:xfrm flipH="1" flipV="1">
-            <a:off x="6499656" y="1957377"/>
-            <a:ext cx="4636" cy="1183160"/>
-          </a:xfrm>
-          <a:prstGeom prst="straightConnector1">
-            <a:avLst/>
-          </a:prstGeom>
-          <a:ln w="38100">
-            <a:solidFill>
-              <a:schemeClr val="tx1"/>
-            </a:solidFill>
-            <a:prstDash val="sysDash"/>
-            <a:tailEnd type="triangle"/>
-          </a:ln>
-        </p:spPr>
-        <p:style>
-          <a:lnRef idx="1">
-            <a:schemeClr val="accent1"/>
-          </a:lnRef>
-          <a:fillRef idx="0">
-            <a:schemeClr val="accent1"/>
-          </a:fillRef>
-          <a:effectRef idx="0">
-            <a:schemeClr val="accent1"/>
-          </a:effectRef>
-          <a:fontRef idx="minor">
-            <a:schemeClr val="tx1"/>
-          </a:fontRef>
-        </p:style>
-      </p:cxnSp>
-      <p:cxnSp>
-        <p:nvCxnSpPr>
-          <p:cNvPr id="60" name="직선 화살표 연결선 59"/>
-          <p:cNvCxnSpPr>
-            <a:endCxn id="22" idx="0"/>
-          </p:cNvCxnSpPr>
-          <p:nvPr/>
-        </p:nvCxnSpPr>
-        <p:spPr>
-          <a:xfrm>
-            <a:off x="8309217" y="1939484"/>
-            <a:ext cx="18830" cy="792496"/>
-          </a:xfrm>
-          <a:prstGeom prst="straightConnector1">
-            <a:avLst/>
-          </a:prstGeom>
-          <a:ln w="38100">
-            <a:solidFill>
-              <a:schemeClr val="tx1"/>
-            </a:solidFill>
-            <a:prstDash val="sysDash"/>
-            <a:tailEnd type="triangle"/>
-          </a:ln>
-        </p:spPr>
-        <p:style>
-          <a:lnRef idx="1">
-            <a:schemeClr val="accent1"/>
-          </a:lnRef>
-          <a:fillRef idx="0">
-            <a:schemeClr val="accent1"/>
-          </a:fillRef>
-          <a:effectRef idx="0">
-            <a:schemeClr val="accent1"/>
-          </a:effectRef>
-          <a:fontRef idx="minor">
-            <a:schemeClr val="tx1"/>
-          </a:fontRef>
-        </p:style>
-      </p:cxnSp>
-      <p:cxnSp>
-        <p:nvCxnSpPr>
-          <p:cNvPr id="64" name="직선 화살표 연결선 63"/>
-          <p:cNvCxnSpPr>
-            <a:stCxn id="41" idx="0"/>
-          </p:cNvCxnSpPr>
-          <p:nvPr/>
-        </p:nvCxnSpPr>
-        <p:spPr>
-          <a:xfrm flipH="1" flipV="1">
-            <a:off x="9948047" y="1974472"/>
-            <a:ext cx="2878" cy="1113982"/>
-          </a:xfrm>
-          <a:prstGeom prst="straightConnector1">
-            <a:avLst/>
-          </a:prstGeom>
-          <a:ln w="38100">
-            <a:solidFill>
-              <a:schemeClr val="tx1"/>
-            </a:solidFill>
-            <a:prstDash val="sysDash"/>
-            <a:tailEnd type="triangle"/>
-          </a:ln>
-        </p:spPr>
-        <p:style>
-          <a:lnRef idx="1">
-            <a:schemeClr val="accent1"/>
-          </a:lnRef>
-          <a:fillRef idx="0">
-            <a:schemeClr val="accent1"/>
-          </a:fillRef>
-          <a:effectRef idx="0">
-            <a:schemeClr val="accent1"/>
-          </a:effectRef>
-          <a:fontRef idx="minor">
-            <a:schemeClr val="tx1"/>
-          </a:fontRef>
-        </p:style>
-      </p:cxnSp>
-      <p:sp>
-        <p:nvSpPr>
-          <p:cNvPr id="71" name="직사각형 70"/>
-          <p:cNvSpPr/>
-          <p:nvPr/>
-        </p:nvSpPr>
-        <p:spPr>
-          <a:xfrm>
-            <a:off x="1524002" y="4064239"/>
-            <a:ext cx="686239" cy="259312"/>
-          </a:xfrm>
-          <a:prstGeom prst="rect">
-            <a:avLst/>
-          </a:prstGeom>
-          <a:solidFill>
-            <a:schemeClr val="tx1"/>
-          </a:solidFill>
-        </p:spPr>
-        <p:style>
-          <a:lnRef idx="2">
-            <a:schemeClr val="accent1">
-              <a:shade val="50000"/>
-            </a:schemeClr>
-          </a:lnRef>
-          <a:fillRef idx="1">
-            <a:schemeClr val="accent1"/>
-          </a:fillRef>
-          <a:effectRef idx="0">
-            <a:schemeClr val="accent1"/>
-          </a:effectRef>
-          <a:fontRef idx="minor">
-            <a:schemeClr val="lt1"/>
-          </a:fontRef>
-        </p:style>
-        <p:txBody>
-          <a:bodyPr rtlCol="0" anchor="ctr"/>
-          <a:lstStyle/>
-          <a:p>
-            <a:pPr algn="ctr"/>
-            <a:r>
-              <a:rPr kumimoji="1" lang="en-US" altLang="ko-KR" sz="1000" smtClean="0"/>
-              <a:t>JPA</a:t>
-            </a:r>
-            <a:endParaRPr kumimoji="1" lang="ko-KR" altLang="en-US" sz="1000" dirty="0"/>
-          </a:p>
-        </p:txBody>
-      </p:sp>
-      <p:sp>
-        <p:nvSpPr>
-          <p:cNvPr id="75" name="직사각형 74"/>
-          <p:cNvSpPr/>
-          <p:nvPr/>
-        </p:nvSpPr>
-        <p:spPr>
-          <a:xfrm>
-            <a:off x="5242476" y="4064383"/>
-            <a:ext cx="686239" cy="259312"/>
-          </a:xfrm>
-          <a:prstGeom prst="rect">
-            <a:avLst/>
-          </a:prstGeom>
-          <a:solidFill>
-            <a:schemeClr val="tx1"/>
-          </a:solidFill>
-        </p:spPr>
-        <p:style>
-          <a:lnRef idx="2">
-            <a:schemeClr val="accent1">
-              <a:shade val="50000"/>
-            </a:schemeClr>
-          </a:lnRef>
-          <a:fillRef idx="1">
-            <a:schemeClr val="accent1"/>
-          </a:fillRef>
-          <a:effectRef idx="0">
-            <a:schemeClr val="accent1"/>
-          </a:effectRef>
-          <a:fontRef idx="minor">
-            <a:schemeClr val="lt1"/>
-          </a:fontRef>
-        </p:style>
-        <p:txBody>
-          <a:bodyPr rtlCol="0" anchor="ctr"/>
-          <a:lstStyle/>
-          <a:p>
-            <a:pPr algn="ctr"/>
-            <a:r>
-              <a:rPr kumimoji="1" lang="en-US" altLang="ko-KR" sz="1000" smtClean="0"/>
-              <a:t>JPA</a:t>
-            </a:r>
-            <a:endParaRPr kumimoji="1" lang="ko-KR" altLang="en-US" sz="1000" dirty="0"/>
-          </a:p>
-        </p:txBody>
-      </p:sp>
-      <p:sp>
-        <p:nvSpPr>
-          <p:cNvPr id="78" name="직사각형 77"/>
-          <p:cNvSpPr/>
-          <p:nvPr/>
-        </p:nvSpPr>
-        <p:spPr>
-          <a:xfrm>
-            <a:off x="8770730" y="4032299"/>
-            <a:ext cx="686239" cy="259312"/>
-          </a:xfrm>
-          <a:prstGeom prst="rect">
-            <a:avLst/>
-          </a:prstGeom>
-          <a:solidFill>
-            <a:schemeClr val="tx1"/>
-          </a:solidFill>
-        </p:spPr>
-        <p:style>
-          <a:lnRef idx="2">
-            <a:schemeClr val="accent1">
-              <a:shade val="50000"/>
-            </a:schemeClr>
-          </a:lnRef>
-          <a:fillRef idx="1">
-            <a:schemeClr val="accent1"/>
-          </a:fillRef>
-          <a:effectRef idx="0">
-            <a:schemeClr val="accent1"/>
-          </a:effectRef>
-          <a:fontRef idx="minor">
-            <a:schemeClr val="lt1"/>
-          </a:fontRef>
-        </p:style>
-        <p:txBody>
-          <a:bodyPr rtlCol="0" anchor="ctr"/>
-          <a:lstStyle/>
-          <a:p>
-            <a:pPr algn="ctr"/>
-            <a:r>
-              <a:rPr kumimoji="1" lang="en-US" altLang="ko-KR" sz="1000" smtClean="0"/>
-              <a:t>JPA</a:t>
-            </a:r>
-            <a:endParaRPr kumimoji="1" lang="ko-KR" altLang="en-US" sz="1000" dirty="0"/>
-          </a:p>
-        </p:txBody>
-      </p:sp>
-    </p:spTree>
-    <p:extLst>
-      <p:ext uri="{BB962C8B-B14F-4D97-AF65-F5344CB8AC3E}">
-        <p14:creationId xmlns:p14="http://schemas.microsoft.com/office/powerpoint/2010/main" val="177583538"/>
       </p:ext>
     </p:extLst>
   </p:cSld>
@@ -16710,6 +16405,1424 @@
 </file>
 
 <file path=ppt/slides/slide30.xml><?xml version="1.0" encoding="utf-8"?>
+<p:sld xmlns:a="http://schemas.openxmlformats.org/drawingml/2006/main" xmlns:r="http://schemas.openxmlformats.org/officeDocument/2006/relationships" xmlns:p="http://schemas.openxmlformats.org/presentationml/2006/main">
+  <p:cSld>
+    <p:spTree>
+      <p:nvGrpSpPr>
+        <p:cNvPr id="1" name=""/>
+        <p:cNvGrpSpPr/>
+        <p:nvPr/>
+      </p:nvGrpSpPr>
+      <p:grpSpPr>
+        <a:xfrm>
+          <a:off x="0" y="0"/>
+          <a:ext cx="0" cy="0"/>
+          <a:chOff x="0" y="0"/>
+          <a:chExt cx="0" cy="0"/>
+        </a:xfrm>
+      </p:grpSpPr>
+      <p:pic>
+        <p:nvPicPr>
+          <p:cNvPr id="4" name="그림 3"/>
+          <p:cNvPicPr>
+            <a:picLocks noChangeAspect="1"/>
+          </p:cNvPicPr>
+          <p:nvPr/>
+        </p:nvPicPr>
+        <p:blipFill>
+          <a:blip r:embed="rId2"/>
+          <a:stretch>
+            <a:fillRect/>
+          </a:stretch>
+        </p:blipFill>
+        <p:spPr>
+          <a:xfrm>
+            <a:off x="576563" y="1690688"/>
+            <a:ext cx="11038874" cy="5167312"/>
+          </a:xfrm>
+          <a:prstGeom prst="rect">
+            <a:avLst/>
+          </a:prstGeom>
+        </p:spPr>
+      </p:pic>
+      <p:sp>
+        <p:nvSpPr>
+          <p:cNvPr id="5" name="제목 1"/>
+          <p:cNvSpPr txBox="1">
+            <a:spLocks/>
+          </p:cNvSpPr>
+          <p:nvPr/>
+        </p:nvSpPr>
+        <p:spPr>
+          <a:xfrm>
+            <a:off x="332313" y="115546"/>
+            <a:ext cx="10515600" cy="1325563"/>
+          </a:xfrm>
+          <a:prstGeom prst="rect">
+            <a:avLst/>
+          </a:prstGeom>
+        </p:spPr>
+        <p:txBody>
+          <a:bodyPr vert="horz" lIns="91440" tIns="45720" rIns="91440" bIns="45720" rtlCol="0" anchor="ctr">
+            <a:normAutofit/>
+          </a:bodyPr>
+          <a:lstStyle>
+            <a:lvl1pPr algn="l" defTabSz="914400" rtl="0" eaLnBrk="1" latinLnBrk="1" hangingPunct="1">
+              <a:lnSpc>
+                <a:spcPct val="90000"/>
+              </a:lnSpc>
+              <a:spcBef>
+                <a:spcPct val="0"/>
+              </a:spcBef>
+              <a:buNone/>
+              <a:defRPr sz="4400" kern="1200">
+                <a:solidFill>
+                  <a:schemeClr val="tx1"/>
+                </a:solidFill>
+                <a:latin typeface="+mj-lt"/>
+                <a:ea typeface="+mj-ea"/>
+                <a:cs typeface="+mj-cs"/>
+              </a:defRPr>
+            </a:lvl1pPr>
+          </a:lstStyle>
+          <a:p>
+            <a:r>
+              <a:rPr kumimoji="1" lang="ko-KR" altLang="en-US" dirty="0" smtClean="0"/>
+              <a:t>이벤트 </a:t>
+            </a:r>
+            <a:r>
+              <a:rPr kumimoji="1" lang="ko-KR" altLang="en-US" dirty="0" err="1" smtClean="0"/>
+              <a:t>스토밍</a:t>
+            </a:r>
+            <a:r>
+              <a:rPr kumimoji="1" lang="ko-KR" altLang="en-US" dirty="0" smtClean="0"/>
+              <a:t> </a:t>
+            </a:r>
+            <a:r>
+              <a:rPr kumimoji="1" lang="en-US" altLang="ko-KR" dirty="0" smtClean="0"/>
+              <a:t>– </a:t>
+            </a:r>
+            <a:r>
+              <a:rPr kumimoji="1" lang="ko-KR" altLang="en-US" dirty="0" smtClean="0"/>
+              <a:t>마케팅 </a:t>
+            </a:r>
+            <a:r>
+              <a:rPr kumimoji="1" lang="en-US" altLang="ko-KR" dirty="0" smtClean="0"/>
+              <a:t>BC </a:t>
+            </a:r>
+            <a:r>
+              <a:rPr kumimoji="1" lang="ko-KR" altLang="en-US" dirty="0" smtClean="0"/>
+              <a:t>추가</a:t>
+            </a:r>
+            <a:endParaRPr kumimoji="1" lang="ko-KR" altLang="en-US" dirty="0"/>
+          </a:p>
+        </p:txBody>
+      </p:sp>
+    </p:spTree>
+    <p:extLst>
+      <p:ext uri="{BB962C8B-B14F-4D97-AF65-F5344CB8AC3E}">
+        <p14:creationId xmlns:p14="http://schemas.microsoft.com/office/powerpoint/2010/main" val="851764433"/>
+      </p:ext>
+    </p:extLst>
+  </p:cSld>
+  <p:clrMapOvr>
+    <a:masterClrMapping/>
+  </p:clrMapOvr>
+  <p:timing>
+    <p:tnLst>
+      <p:par>
+        <p:cTn id="1" dur="indefinite" restart="never" nodeType="tmRoot"/>
+      </p:par>
+    </p:tnLst>
+  </p:timing>
+</p:sld>
+</file>
+
+<file path=ppt/slides/slide31.xml><?xml version="1.0" encoding="utf-8"?>
+<p:sld xmlns:a="http://schemas.openxmlformats.org/drawingml/2006/main" xmlns:r="http://schemas.openxmlformats.org/officeDocument/2006/relationships" xmlns:p="http://schemas.openxmlformats.org/presentationml/2006/main">
+  <p:cSld>
+    <p:spTree>
+      <p:nvGrpSpPr>
+        <p:cNvPr id="1" name=""/>
+        <p:cNvGrpSpPr/>
+        <p:nvPr/>
+      </p:nvGrpSpPr>
+      <p:grpSpPr>
+        <a:xfrm>
+          <a:off x="0" y="0"/>
+          <a:ext cx="0" cy="0"/>
+          <a:chOff x="0" y="0"/>
+          <a:chExt cx="0" cy="0"/>
+        </a:xfrm>
+      </p:grpSpPr>
+      <p:sp>
+        <p:nvSpPr>
+          <p:cNvPr id="2" name="제목 1"/>
+          <p:cNvSpPr>
+            <a:spLocks noGrp="1"/>
+          </p:cNvSpPr>
+          <p:nvPr>
+            <p:ph type="title"/>
+          </p:nvPr>
+        </p:nvSpPr>
+        <p:spPr>
+          <a:xfrm>
+            <a:off x="332313" y="115546"/>
+            <a:ext cx="10515600" cy="1325563"/>
+          </a:xfrm>
+        </p:spPr>
+        <p:txBody>
+          <a:bodyPr/>
+          <a:lstStyle/>
+          <a:p>
+            <a:r>
+              <a:rPr kumimoji="1" lang="ko-KR" altLang="en-US" dirty="0" smtClean="0"/>
+              <a:t>헥사고날 아키텍처 </a:t>
+            </a:r>
+            <a:endParaRPr kumimoji="1" lang="ko-KR" altLang="en-US" dirty="0"/>
+          </a:p>
+        </p:txBody>
+      </p:sp>
+      <p:sp>
+        <p:nvSpPr>
+          <p:cNvPr id="4" name="원통[C] 3"/>
+          <p:cNvSpPr/>
+          <p:nvPr/>
+        </p:nvSpPr>
+        <p:spPr>
+          <a:xfrm rot="5400000">
+            <a:off x="5843828" y="-3904684"/>
+            <a:ext cx="481263" cy="11190744"/>
+          </a:xfrm>
+          <a:prstGeom prst="can">
+            <a:avLst/>
+          </a:prstGeom>
+        </p:spPr>
+        <p:style>
+          <a:lnRef idx="2">
+            <a:schemeClr val="accent1">
+              <a:shade val="50000"/>
+            </a:schemeClr>
+          </a:lnRef>
+          <a:fillRef idx="1">
+            <a:schemeClr val="accent1"/>
+          </a:fillRef>
+          <a:effectRef idx="0">
+            <a:schemeClr val="accent1"/>
+          </a:effectRef>
+          <a:fontRef idx="minor">
+            <a:schemeClr val="lt1"/>
+          </a:fontRef>
+        </p:style>
+        <p:txBody>
+          <a:bodyPr rtlCol="0" anchor="ctr"/>
+          <a:lstStyle/>
+          <a:p>
+            <a:pPr algn="ctr"/>
+            <a:endParaRPr kumimoji="1" lang="ko-KR" altLang="en-US" dirty="0"/>
+          </a:p>
+        </p:txBody>
+      </p:sp>
+      <p:sp>
+        <p:nvSpPr>
+          <p:cNvPr id="5" name="TextBox 4"/>
+          <p:cNvSpPr txBox="1"/>
+          <p:nvPr/>
+        </p:nvSpPr>
+        <p:spPr>
+          <a:xfrm>
+            <a:off x="4392636" y="1488434"/>
+            <a:ext cx="3414567" cy="369332"/>
+          </a:xfrm>
+          <a:prstGeom prst="rect">
+            <a:avLst/>
+          </a:prstGeom>
+          <a:noFill/>
+        </p:spPr>
+        <p:txBody>
+          <a:bodyPr wrap="square" rtlCol="0">
+            <a:spAutoFit/>
+          </a:bodyPr>
+          <a:lstStyle/>
+          <a:p>
+            <a:r>
+              <a:rPr kumimoji="1" lang="ko-KR" altLang="en-US" dirty="0" smtClean="0">
+                <a:solidFill>
+                  <a:schemeClr val="bg1"/>
+                </a:solidFill>
+              </a:rPr>
+              <a:t>분산 이벤트 스트림</a:t>
+            </a:r>
+            <a:r>
+              <a:rPr kumimoji="1" lang="en-US" altLang="ko-KR" dirty="0" smtClean="0">
+                <a:solidFill>
+                  <a:schemeClr val="bg1"/>
+                </a:solidFill>
+              </a:rPr>
+              <a:t> (Kafka)</a:t>
+            </a:r>
+            <a:endParaRPr kumimoji="1" lang="ko-KR" altLang="en-US" dirty="0">
+              <a:solidFill>
+                <a:schemeClr val="bg1"/>
+              </a:solidFill>
+            </a:endParaRPr>
+          </a:p>
+        </p:txBody>
+      </p:sp>
+      <p:grpSp>
+        <p:nvGrpSpPr>
+          <p:cNvPr id="43" name="그룹 42"/>
+          <p:cNvGrpSpPr/>
+          <p:nvPr/>
+        </p:nvGrpSpPr>
+        <p:grpSpPr>
+          <a:xfrm>
+            <a:off x="4231328" y="2537388"/>
+            <a:ext cx="2708548" cy="1663247"/>
+            <a:chOff x="3680661" y="2117559"/>
+            <a:chExt cx="3218594" cy="1941094"/>
+          </a:xfrm>
+        </p:grpSpPr>
+        <p:sp>
+          <p:nvSpPr>
+            <p:cNvPr id="7" name="육각형[H] 6"/>
+            <p:cNvSpPr/>
+            <p:nvPr/>
+          </p:nvSpPr>
+          <p:spPr>
+            <a:xfrm>
+              <a:off x="4134852" y="2117559"/>
+              <a:ext cx="2294022" cy="1941094"/>
+            </a:xfrm>
+            <a:prstGeom prst="hexagon">
+              <a:avLst/>
+            </a:prstGeom>
+            <a:solidFill>
+              <a:schemeClr val="accent6"/>
+            </a:solidFill>
+          </p:spPr>
+          <p:style>
+            <a:lnRef idx="2">
+              <a:schemeClr val="accent1">
+                <a:shade val="50000"/>
+              </a:schemeClr>
+            </a:lnRef>
+            <a:fillRef idx="1">
+              <a:schemeClr val="accent1"/>
+            </a:fillRef>
+            <a:effectRef idx="0">
+              <a:schemeClr val="accent1"/>
+            </a:effectRef>
+            <a:fontRef idx="minor">
+              <a:schemeClr val="lt1"/>
+            </a:fontRef>
+          </p:style>
+          <p:txBody>
+            <a:bodyPr rtlCol="0" anchor="ctr"/>
+            <a:lstStyle/>
+            <a:p>
+              <a:pPr algn="ctr"/>
+              <a:r>
+                <a:rPr kumimoji="1" lang="en-US" altLang="ko-KR" dirty="0" smtClean="0"/>
+                <a:t>pay</a:t>
+              </a:r>
+              <a:endParaRPr kumimoji="1" lang="ko-KR" altLang="en-US" dirty="0"/>
+            </a:p>
+          </p:txBody>
+        </p:sp>
+        <p:sp>
+          <p:nvSpPr>
+            <p:cNvPr id="11" name="육각형[H] 10"/>
+            <p:cNvSpPr/>
+            <p:nvPr/>
+          </p:nvSpPr>
+          <p:spPr>
+            <a:xfrm>
+              <a:off x="4639176" y="2512596"/>
+              <a:ext cx="1285374" cy="1151020"/>
+            </a:xfrm>
+            <a:prstGeom prst="hexagon">
+              <a:avLst/>
+            </a:prstGeom>
+            <a:solidFill>
+              <a:srgbClr val="FFFF00"/>
+            </a:solidFill>
+          </p:spPr>
+          <p:style>
+            <a:lnRef idx="2">
+              <a:schemeClr val="accent1">
+                <a:shade val="50000"/>
+              </a:schemeClr>
+            </a:lnRef>
+            <a:fillRef idx="1">
+              <a:schemeClr val="accent1"/>
+            </a:fillRef>
+            <a:effectRef idx="0">
+              <a:schemeClr val="accent1"/>
+            </a:effectRef>
+            <a:fontRef idx="minor">
+              <a:schemeClr val="lt1"/>
+            </a:fontRef>
+          </p:style>
+          <p:txBody>
+            <a:bodyPr rtlCol="0" anchor="ctr"/>
+            <a:lstStyle/>
+            <a:p>
+              <a:pPr algn="ctr"/>
+              <a:r>
+                <a:rPr kumimoji="1" lang="en-US" altLang="ko-KR" dirty="0" smtClean="0">
+                  <a:solidFill>
+                    <a:schemeClr val="tx1"/>
+                  </a:solidFill>
+                </a:rPr>
+                <a:t>payment</a:t>
+              </a:r>
+              <a:endParaRPr kumimoji="1" lang="ko-KR" altLang="en-US" dirty="0">
+                <a:solidFill>
+                  <a:schemeClr val="tx1"/>
+                </a:solidFill>
+              </a:endParaRPr>
+            </a:p>
+          </p:txBody>
+        </p:sp>
+        <p:sp>
+          <p:nvSpPr>
+            <p:cNvPr id="16" name="직사각형 15"/>
+            <p:cNvSpPr/>
+            <p:nvPr/>
+          </p:nvSpPr>
+          <p:spPr>
+            <a:xfrm>
+              <a:off x="3680661" y="2326103"/>
+              <a:ext cx="1269834" cy="356939"/>
+            </a:xfrm>
+            <a:prstGeom prst="rect">
+              <a:avLst/>
+            </a:prstGeom>
+          </p:spPr>
+          <p:style>
+            <a:lnRef idx="2">
+              <a:schemeClr val="accent1">
+                <a:shade val="50000"/>
+              </a:schemeClr>
+            </a:lnRef>
+            <a:fillRef idx="1">
+              <a:schemeClr val="accent1"/>
+            </a:fillRef>
+            <a:effectRef idx="0">
+              <a:schemeClr val="accent1"/>
+            </a:effectRef>
+            <a:fontRef idx="minor">
+              <a:schemeClr val="lt1"/>
+            </a:fontRef>
+          </p:style>
+          <p:txBody>
+            <a:bodyPr rtlCol="0" anchor="ctr"/>
+            <a:lstStyle/>
+            <a:p>
+              <a:pPr algn="ctr"/>
+              <a:r>
+                <a:rPr kumimoji="1" lang="en-US" altLang="ko-KR" sz="1050" smtClean="0"/>
+                <a:t>REST Adaptor</a:t>
+              </a:r>
+              <a:endParaRPr kumimoji="1" lang="ko-KR" altLang="en-US" sz="1050" dirty="0"/>
+            </a:p>
+          </p:txBody>
+        </p:sp>
+        <p:sp>
+          <p:nvSpPr>
+            <p:cNvPr id="19" name="직사각형 18"/>
+            <p:cNvSpPr/>
+            <p:nvPr/>
+          </p:nvSpPr>
+          <p:spPr>
+            <a:xfrm>
+              <a:off x="5864038" y="2821465"/>
+              <a:ext cx="1035217" cy="502193"/>
+            </a:xfrm>
+            <a:prstGeom prst="rect">
+              <a:avLst/>
+            </a:prstGeom>
+            <a:solidFill>
+              <a:srgbClr val="FFC000"/>
+            </a:solidFill>
+          </p:spPr>
+          <p:style>
+            <a:lnRef idx="2">
+              <a:schemeClr val="accent1">
+                <a:shade val="50000"/>
+              </a:schemeClr>
+            </a:lnRef>
+            <a:fillRef idx="1">
+              <a:schemeClr val="accent1"/>
+            </a:fillRef>
+            <a:effectRef idx="0">
+              <a:schemeClr val="accent1"/>
+            </a:effectRef>
+            <a:fontRef idx="minor">
+              <a:schemeClr val="lt1"/>
+            </a:fontRef>
+          </p:style>
+          <p:txBody>
+            <a:bodyPr rtlCol="0" anchor="ctr"/>
+            <a:lstStyle/>
+            <a:p>
+              <a:pPr algn="ctr"/>
+              <a:r>
+                <a:rPr kumimoji="1" lang="en-US" altLang="ko-KR" sz="1200" dirty="0" smtClean="0">
+                  <a:solidFill>
+                    <a:schemeClr val="tx1"/>
+                  </a:solidFill>
+                </a:rPr>
+                <a:t>Kafka Publisher</a:t>
+              </a:r>
+              <a:endParaRPr kumimoji="1" lang="ko-KR" altLang="en-US" sz="1200" dirty="0">
+                <a:solidFill>
+                  <a:schemeClr val="tx1"/>
+                </a:solidFill>
+              </a:endParaRPr>
+            </a:p>
+          </p:txBody>
+        </p:sp>
+      </p:grpSp>
+      <p:sp>
+        <p:nvSpPr>
+          <p:cNvPr id="6" name="육각형[H] 5"/>
+          <p:cNvSpPr/>
+          <p:nvPr/>
+        </p:nvSpPr>
+        <p:spPr>
+          <a:xfrm>
+            <a:off x="897233" y="2568904"/>
+            <a:ext cx="1916663" cy="1623567"/>
+          </a:xfrm>
+          <a:prstGeom prst="hexagon">
+            <a:avLst/>
+          </a:prstGeom>
+          <a:solidFill>
+            <a:schemeClr val="accent6"/>
+          </a:solidFill>
+        </p:spPr>
+        <p:style>
+          <a:lnRef idx="2">
+            <a:schemeClr val="accent1">
+              <a:shade val="50000"/>
+            </a:schemeClr>
+          </a:lnRef>
+          <a:fillRef idx="1">
+            <a:schemeClr val="accent1"/>
+          </a:fillRef>
+          <a:effectRef idx="0">
+            <a:schemeClr val="accent1"/>
+          </a:effectRef>
+          <a:fontRef idx="minor">
+            <a:schemeClr val="lt1"/>
+          </a:fontRef>
+        </p:style>
+        <p:txBody>
+          <a:bodyPr rtlCol="0" anchor="ctr"/>
+          <a:lstStyle/>
+          <a:p>
+            <a:pPr algn="ctr"/>
+            <a:r>
+              <a:rPr kumimoji="1" lang="en-US" altLang="ko-KR" sz="1200" dirty="0" smtClean="0"/>
+              <a:t>app</a:t>
+            </a:r>
+            <a:endParaRPr kumimoji="1" lang="ko-KR" altLang="en-US" sz="1200" dirty="0"/>
+          </a:p>
+        </p:txBody>
+      </p:sp>
+      <p:sp>
+        <p:nvSpPr>
+          <p:cNvPr id="10" name="육각형[H] 9"/>
+          <p:cNvSpPr/>
+          <p:nvPr/>
+        </p:nvSpPr>
+        <p:spPr>
+          <a:xfrm>
+            <a:off x="1322786" y="2904352"/>
+            <a:ext cx="1073934" cy="962735"/>
+          </a:xfrm>
+          <a:prstGeom prst="hexagon">
+            <a:avLst/>
+          </a:prstGeom>
+          <a:solidFill>
+            <a:srgbClr val="FFFF00"/>
+          </a:solidFill>
+        </p:spPr>
+        <p:style>
+          <a:lnRef idx="2">
+            <a:schemeClr val="accent1">
+              <a:shade val="50000"/>
+            </a:schemeClr>
+          </a:lnRef>
+          <a:fillRef idx="1">
+            <a:schemeClr val="accent1"/>
+          </a:fillRef>
+          <a:effectRef idx="0">
+            <a:schemeClr val="accent1"/>
+          </a:effectRef>
+          <a:fontRef idx="minor">
+            <a:schemeClr val="lt1"/>
+          </a:fontRef>
+        </p:style>
+        <p:txBody>
+          <a:bodyPr rtlCol="0" anchor="ctr"/>
+          <a:lstStyle/>
+          <a:p>
+            <a:pPr algn="ctr"/>
+            <a:r>
+              <a:rPr kumimoji="1" lang="en-US" altLang="ko-KR" sz="2000" dirty="0" smtClean="0">
+                <a:solidFill>
+                  <a:schemeClr val="tx1"/>
+                </a:solidFill>
+              </a:rPr>
+              <a:t>reservation</a:t>
+            </a:r>
+            <a:endParaRPr kumimoji="1" lang="ko-KR" altLang="en-US" sz="2000" dirty="0">
+              <a:solidFill>
+                <a:schemeClr val="tx1"/>
+              </a:solidFill>
+            </a:endParaRPr>
+          </a:p>
+        </p:txBody>
+      </p:sp>
+      <p:sp>
+        <p:nvSpPr>
+          <p:cNvPr id="14" name="직사각형 13"/>
+          <p:cNvSpPr/>
+          <p:nvPr/>
+        </p:nvSpPr>
+        <p:spPr>
+          <a:xfrm>
+            <a:off x="281794" y="3155096"/>
+            <a:ext cx="1025768" cy="295194"/>
+          </a:xfrm>
+          <a:prstGeom prst="rect">
+            <a:avLst/>
+          </a:prstGeom>
+        </p:spPr>
+        <p:style>
+          <a:lnRef idx="2">
+            <a:schemeClr val="accent1">
+              <a:shade val="50000"/>
+            </a:schemeClr>
+          </a:lnRef>
+          <a:fillRef idx="1">
+            <a:schemeClr val="accent1"/>
+          </a:fillRef>
+          <a:effectRef idx="0">
+            <a:schemeClr val="accent1"/>
+          </a:effectRef>
+          <a:fontRef idx="minor">
+            <a:schemeClr val="lt1"/>
+          </a:fontRef>
+        </p:style>
+        <p:txBody>
+          <a:bodyPr rtlCol="0" anchor="ctr"/>
+          <a:lstStyle/>
+          <a:p>
+            <a:pPr algn="ctr"/>
+            <a:r>
+              <a:rPr kumimoji="1" lang="en-US" altLang="ko-KR" sz="1000" dirty="0" smtClean="0"/>
+              <a:t>REST Adaptor</a:t>
+            </a:r>
+            <a:r>
+              <a:rPr kumimoji="1" lang="ko-KR" altLang="en-US" sz="1000" dirty="0" smtClean="0"/>
+              <a:t> </a:t>
+            </a:r>
+            <a:endParaRPr kumimoji="1" lang="ko-KR" altLang="en-US" sz="1000" dirty="0"/>
+          </a:p>
+        </p:txBody>
+      </p:sp>
+      <p:sp>
+        <p:nvSpPr>
+          <p:cNvPr id="24" name="직사각형 23"/>
+          <p:cNvSpPr/>
+          <p:nvPr/>
+        </p:nvSpPr>
+        <p:spPr>
+          <a:xfrm>
+            <a:off x="332313" y="2707200"/>
+            <a:ext cx="1067859" cy="343835"/>
+          </a:xfrm>
+          <a:prstGeom prst="rect">
+            <a:avLst/>
+          </a:prstGeom>
+          <a:solidFill>
+            <a:srgbClr val="D4A2C1"/>
+          </a:solidFill>
+        </p:spPr>
+        <p:style>
+          <a:lnRef idx="2">
+            <a:schemeClr val="accent1">
+              <a:shade val="50000"/>
+            </a:schemeClr>
+          </a:lnRef>
+          <a:fillRef idx="1">
+            <a:schemeClr val="accent1"/>
+          </a:fillRef>
+          <a:effectRef idx="0">
+            <a:schemeClr val="accent1"/>
+          </a:effectRef>
+          <a:fontRef idx="minor">
+            <a:schemeClr val="lt1"/>
+          </a:fontRef>
+        </p:style>
+        <p:txBody>
+          <a:bodyPr rtlCol="0" anchor="ctr"/>
+          <a:lstStyle/>
+          <a:p>
+            <a:pPr algn="ctr"/>
+            <a:r>
+              <a:rPr kumimoji="1" lang="en-US" altLang="ko-KR" sz="1000" dirty="0" smtClean="0">
+                <a:solidFill>
+                  <a:schemeClr val="tx1"/>
+                </a:solidFill>
+              </a:rPr>
+              <a:t>Kafka Listener</a:t>
+            </a:r>
+          </a:p>
+        </p:txBody>
+      </p:sp>
+      <p:sp>
+        <p:nvSpPr>
+          <p:cNvPr id="25" name="직사각형 24"/>
+          <p:cNvSpPr/>
+          <p:nvPr/>
+        </p:nvSpPr>
+        <p:spPr>
+          <a:xfrm>
+            <a:off x="2293987" y="3217846"/>
+            <a:ext cx="864927" cy="420044"/>
+          </a:xfrm>
+          <a:prstGeom prst="rect">
+            <a:avLst/>
+          </a:prstGeom>
+          <a:solidFill>
+            <a:srgbClr val="FFC000"/>
+          </a:solidFill>
+        </p:spPr>
+        <p:style>
+          <a:lnRef idx="2">
+            <a:schemeClr val="accent1">
+              <a:shade val="50000"/>
+            </a:schemeClr>
+          </a:lnRef>
+          <a:fillRef idx="1">
+            <a:schemeClr val="accent1"/>
+          </a:fillRef>
+          <a:effectRef idx="0">
+            <a:schemeClr val="accent1"/>
+          </a:effectRef>
+          <a:fontRef idx="minor">
+            <a:schemeClr val="lt1"/>
+          </a:fontRef>
+        </p:style>
+        <p:txBody>
+          <a:bodyPr rtlCol="0" anchor="ctr"/>
+          <a:lstStyle/>
+          <a:p>
+            <a:pPr algn="ctr"/>
+            <a:r>
+              <a:rPr kumimoji="1" lang="en-US" altLang="ko-KR" sz="1200" dirty="0">
+                <a:solidFill>
+                  <a:schemeClr val="tx1"/>
+                </a:solidFill>
+              </a:rPr>
+              <a:t>Kafka </a:t>
+            </a:r>
+            <a:r>
+              <a:rPr kumimoji="1" lang="en-US" altLang="ko-KR" sz="1200" dirty="0" err="1">
+                <a:solidFill>
+                  <a:schemeClr val="tx1"/>
+                </a:solidFill>
+              </a:rPr>
+              <a:t>publiser</a:t>
+            </a:r>
+            <a:endParaRPr kumimoji="1" lang="en-US" altLang="ko-KR" sz="1200" dirty="0">
+              <a:solidFill>
+                <a:schemeClr val="tx1"/>
+              </a:solidFill>
+            </a:endParaRPr>
+          </a:p>
+        </p:txBody>
+      </p:sp>
+      <p:cxnSp>
+        <p:nvCxnSpPr>
+          <p:cNvPr id="27" name="직선 화살표 연결선 26"/>
+          <p:cNvCxnSpPr>
+            <a:stCxn id="25" idx="0"/>
+          </p:cNvCxnSpPr>
+          <p:nvPr/>
+        </p:nvCxnSpPr>
+        <p:spPr>
+          <a:xfrm flipH="1" flipV="1">
+            <a:off x="2716789" y="1931200"/>
+            <a:ext cx="9662" cy="1286646"/>
+          </a:xfrm>
+          <a:prstGeom prst="straightConnector1">
+            <a:avLst/>
+          </a:prstGeom>
+          <a:ln w="38100">
+            <a:solidFill>
+              <a:schemeClr val="tx1"/>
+            </a:solidFill>
+            <a:prstDash val="sysDash"/>
+            <a:tailEnd type="triangle"/>
+          </a:ln>
+        </p:spPr>
+        <p:style>
+          <a:lnRef idx="1">
+            <a:schemeClr val="accent1"/>
+          </a:lnRef>
+          <a:fillRef idx="0">
+            <a:schemeClr val="accent1"/>
+          </a:fillRef>
+          <a:effectRef idx="0">
+            <a:schemeClr val="accent1"/>
+          </a:effectRef>
+          <a:fontRef idx="minor">
+            <a:schemeClr val="tx1"/>
+          </a:fontRef>
+        </p:style>
+      </p:cxnSp>
+      <p:cxnSp>
+        <p:nvCxnSpPr>
+          <p:cNvPr id="35" name="직선 화살표 연결선 34"/>
+          <p:cNvCxnSpPr>
+            <a:endCxn id="24" idx="0"/>
+          </p:cNvCxnSpPr>
+          <p:nvPr/>
+        </p:nvCxnSpPr>
+        <p:spPr>
+          <a:xfrm flipH="1">
+            <a:off x="866243" y="1949213"/>
+            <a:ext cx="16718" cy="757987"/>
+          </a:xfrm>
+          <a:prstGeom prst="straightConnector1">
+            <a:avLst/>
+          </a:prstGeom>
+          <a:ln w="38100">
+            <a:solidFill>
+              <a:schemeClr val="tx1"/>
+            </a:solidFill>
+            <a:prstDash val="sysDash"/>
+            <a:tailEnd type="triangle"/>
+          </a:ln>
+        </p:spPr>
+        <p:style>
+          <a:lnRef idx="1">
+            <a:schemeClr val="accent1"/>
+          </a:lnRef>
+          <a:fillRef idx="0">
+            <a:schemeClr val="accent1"/>
+          </a:fillRef>
+          <a:effectRef idx="0">
+            <a:schemeClr val="accent1"/>
+          </a:effectRef>
+          <a:fontRef idx="minor">
+            <a:schemeClr val="tx1"/>
+          </a:fontRef>
+        </p:style>
+      </p:cxnSp>
+      <p:grpSp>
+        <p:nvGrpSpPr>
+          <p:cNvPr id="44" name="그룹 43"/>
+          <p:cNvGrpSpPr/>
+          <p:nvPr/>
+        </p:nvGrpSpPr>
+        <p:grpSpPr>
+          <a:xfrm>
+            <a:off x="7897456" y="2537388"/>
+            <a:ext cx="2484059" cy="1719275"/>
+            <a:chOff x="6635414" y="2117559"/>
+            <a:chExt cx="2986061" cy="1941094"/>
+          </a:xfrm>
+        </p:grpSpPr>
+        <p:sp>
+          <p:nvSpPr>
+            <p:cNvPr id="8" name="육각형[H] 7"/>
+            <p:cNvSpPr/>
+            <p:nvPr/>
+          </p:nvSpPr>
+          <p:spPr>
+            <a:xfrm>
+              <a:off x="6902115" y="2117559"/>
+              <a:ext cx="2294022" cy="1941094"/>
+            </a:xfrm>
+            <a:prstGeom prst="hexagon">
+              <a:avLst/>
+            </a:prstGeom>
+            <a:solidFill>
+              <a:schemeClr val="accent6"/>
+            </a:solidFill>
+          </p:spPr>
+          <p:style>
+            <a:lnRef idx="2">
+              <a:schemeClr val="accent1">
+                <a:shade val="50000"/>
+              </a:schemeClr>
+            </a:lnRef>
+            <a:fillRef idx="1">
+              <a:schemeClr val="accent1"/>
+            </a:fillRef>
+            <a:effectRef idx="0">
+              <a:schemeClr val="accent1"/>
+            </a:effectRef>
+            <a:fontRef idx="minor">
+              <a:schemeClr val="lt1"/>
+            </a:fontRef>
+          </p:style>
+          <p:txBody>
+            <a:bodyPr rtlCol="0" anchor="ctr"/>
+            <a:lstStyle/>
+            <a:p>
+              <a:pPr algn="ctr"/>
+              <a:r>
+                <a:rPr kumimoji="1" lang="en-US" altLang="ko-KR" sz="1400" dirty="0" smtClean="0"/>
+                <a:t>store</a:t>
+              </a:r>
+              <a:endParaRPr kumimoji="1" lang="ko-KR" altLang="en-US" sz="1400" dirty="0"/>
+            </a:p>
+          </p:txBody>
+        </p:sp>
+        <p:sp>
+          <p:nvSpPr>
+            <p:cNvPr id="12" name="육각형[H] 11"/>
+            <p:cNvSpPr/>
+            <p:nvPr/>
+          </p:nvSpPr>
+          <p:spPr>
+            <a:xfrm>
+              <a:off x="7420476" y="2512596"/>
+              <a:ext cx="1285374" cy="1151020"/>
+            </a:xfrm>
+            <a:prstGeom prst="hexagon">
+              <a:avLst/>
+            </a:prstGeom>
+            <a:solidFill>
+              <a:srgbClr val="FFFF00"/>
+            </a:solidFill>
+          </p:spPr>
+          <p:style>
+            <a:lnRef idx="2">
+              <a:schemeClr val="accent1">
+                <a:shade val="50000"/>
+              </a:schemeClr>
+            </a:lnRef>
+            <a:fillRef idx="1">
+              <a:schemeClr val="accent1"/>
+            </a:fillRef>
+            <a:effectRef idx="0">
+              <a:schemeClr val="accent1"/>
+            </a:effectRef>
+            <a:fontRef idx="minor">
+              <a:schemeClr val="lt1"/>
+            </a:fontRef>
+          </p:style>
+          <p:txBody>
+            <a:bodyPr rtlCol="0" anchor="ctr"/>
+            <a:lstStyle/>
+            <a:p>
+              <a:pPr algn="ctr"/>
+              <a:r>
+                <a:rPr kumimoji="1" lang="en-US" altLang="ko-KR" sz="1200" dirty="0" err="1" smtClean="0">
+                  <a:solidFill>
+                    <a:schemeClr val="tx1"/>
+                  </a:solidFill>
+                </a:rPr>
+                <a:t>reservationmanagement</a:t>
+              </a:r>
+              <a:endParaRPr kumimoji="1" lang="ko-KR" altLang="en-US" sz="1200" dirty="0">
+                <a:solidFill>
+                  <a:schemeClr val="tx1"/>
+                </a:solidFill>
+              </a:endParaRPr>
+            </a:p>
+          </p:txBody>
+        </p:sp>
+        <p:sp>
+          <p:nvSpPr>
+            <p:cNvPr id="22" name="직사각형 21"/>
+            <p:cNvSpPr/>
+            <p:nvPr/>
+          </p:nvSpPr>
+          <p:spPr>
+            <a:xfrm>
+              <a:off x="6635414" y="2337257"/>
+              <a:ext cx="1035217" cy="411080"/>
+            </a:xfrm>
+            <a:prstGeom prst="rect">
+              <a:avLst/>
+            </a:prstGeom>
+            <a:solidFill>
+              <a:srgbClr val="D4A2C1"/>
+            </a:solidFill>
+          </p:spPr>
+          <p:style>
+            <a:lnRef idx="2">
+              <a:schemeClr val="accent1">
+                <a:shade val="50000"/>
+              </a:schemeClr>
+            </a:lnRef>
+            <a:fillRef idx="1">
+              <a:schemeClr val="accent1"/>
+            </a:fillRef>
+            <a:effectRef idx="0">
+              <a:schemeClr val="accent1"/>
+            </a:effectRef>
+            <a:fontRef idx="minor">
+              <a:schemeClr val="lt1"/>
+            </a:fontRef>
+          </p:style>
+          <p:txBody>
+            <a:bodyPr rtlCol="0" anchor="ctr"/>
+            <a:lstStyle/>
+            <a:p>
+              <a:pPr algn="ctr"/>
+              <a:r>
+                <a:rPr kumimoji="1" lang="en-US" altLang="ko-KR" sz="1050" dirty="0" smtClean="0">
+                  <a:solidFill>
+                    <a:schemeClr val="tx1"/>
+                  </a:solidFill>
+                </a:rPr>
+                <a:t>Kafka Listener</a:t>
+              </a:r>
+            </a:p>
+          </p:txBody>
+        </p:sp>
+        <p:sp>
+          <p:nvSpPr>
+            <p:cNvPr id="41" name="직사각형 40"/>
+            <p:cNvSpPr/>
+            <p:nvPr/>
+          </p:nvSpPr>
+          <p:spPr>
+            <a:xfrm>
+              <a:off x="8586258" y="2739723"/>
+              <a:ext cx="1035217" cy="502193"/>
+            </a:xfrm>
+            <a:prstGeom prst="rect">
+              <a:avLst/>
+            </a:prstGeom>
+            <a:solidFill>
+              <a:srgbClr val="FFC000"/>
+            </a:solidFill>
+          </p:spPr>
+          <p:style>
+            <a:lnRef idx="2">
+              <a:schemeClr val="accent1">
+                <a:shade val="50000"/>
+              </a:schemeClr>
+            </a:lnRef>
+            <a:fillRef idx="1">
+              <a:schemeClr val="accent1"/>
+            </a:fillRef>
+            <a:effectRef idx="0">
+              <a:schemeClr val="accent1"/>
+            </a:effectRef>
+            <a:fontRef idx="minor">
+              <a:schemeClr val="lt1"/>
+            </a:fontRef>
+          </p:style>
+          <p:txBody>
+            <a:bodyPr rtlCol="0" anchor="ctr"/>
+            <a:lstStyle/>
+            <a:p>
+              <a:pPr algn="ctr"/>
+              <a:r>
+                <a:rPr kumimoji="1" lang="en-US" altLang="ko-KR" sz="1200" dirty="0" smtClean="0">
+                  <a:solidFill>
+                    <a:schemeClr val="tx1"/>
+                  </a:solidFill>
+                </a:rPr>
+                <a:t>Kafka Publisher</a:t>
+              </a:r>
+              <a:endParaRPr kumimoji="1" lang="ko-KR" altLang="en-US" sz="1200" dirty="0">
+                <a:solidFill>
+                  <a:schemeClr val="tx1"/>
+                </a:solidFill>
+              </a:endParaRPr>
+            </a:p>
+          </p:txBody>
+        </p:sp>
+      </p:grpSp>
+      <p:cxnSp>
+        <p:nvCxnSpPr>
+          <p:cNvPr id="47" name="꺾인 연결선[E] 46"/>
+          <p:cNvCxnSpPr>
+            <a:stCxn id="53" idx="3"/>
+            <a:endCxn id="16" idx="1"/>
+          </p:cNvCxnSpPr>
+          <p:nvPr/>
+        </p:nvCxnSpPr>
+        <p:spPr>
+          <a:xfrm flipV="1">
+            <a:off x="3127585" y="2869005"/>
+            <a:ext cx="1103743" cy="1059927"/>
+          </a:xfrm>
+          <a:prstGeom prst="bentConnector3">
+            <a:avLst>
+              <a:gd name="adj1" fmla="val 50000"/>
+            </a:avLst>
+          </a:prstGeom>
+          <a:ln w="28575">
+            <a:solidFill>
+              <a:schemeClr val="tx1"/>
+            </a:solidFill>
+            <a:tailEnd type="triangle"/>
+          </a:ln>
+        </p:spPr>
+        <p:style>
+          <a:lnRef idx="1">
+            <a:schemeClr val="accent1"/>
+          </a:lnRef>
+          <a:fillRef idx="0">
+            <a:schemeClr val="accent1"/>
+          </a:fillRef>
+          <a:effectRef idx="0">
+            <a:schemeClr val="accent1"/>
+          </a:effectRef>
+          <a:fontRef idx="minor">
+            <a:schemeClr val="tx1"/>
+          </a:fontRef>
+        </p:style>
+      </p:cxnSp>
+      <p:sp>
+        <p:nvSpPr>
+          <p:cNvPr id="53" name="직사각형 52"/>
+          <p:cNvSpPr/>
+          <p:nvPr/>
+        </p:nvSpPr>
+        <p:spPr>
+          <a:xfrm>
+            <a:off x="2262658" y="3718910"/>
+            <a:ext cx="864927" cy="420044"/>
+          </a:xfrm>
+          <a:prstGeom prst="rect">
+            <a:avLst/>
+          </a:prstGeom>
+          <a:solidFill>
+            <a:schemeClr val="accent1"/>
+          </a:solidFill>
+        </p:spPr>
+        <p:style>
+          <a:lnRef idx="2">
+            <a:schemeClr val="accent1">
+              <a:shade val="50000"/>
+            </a:schemeClr>
+          </a:lnRef>
+          <a:fillRef idx="1">
+            <a:schemeClr val="accent1"/>
+          </a:fillRef>
+          <a:effectRef idx="0">
+            <a:schemeClr val="accent1"/>
+          </a:effectRef>
+          <a:fontRef idx="minor">
+            <a:schemeClr val="lt1"/>
+          </a:fontRef>
+        </p:style>
+        <p:txBody>
+          <a:bodyPr rtlCol="0" anchor="ctr"/>
+          <a:lstStyle/>
+          <a:p>
+            <a:pPr algn="ctr"/>
+            <a:r>
+              <a:rPr kumimoji="1" lang="en-US" altLang="ko-KR" sz="1000" dirty="0" smtClean="0">
+                <a:solidFill>
+                  <a:schemeClr val="tx1"/>
+                </a:solidFill>
+              </a:rPr>
+              <a:t>REST Invoker</a:t>
+            </a:r>
+            <a:endParaRPr kumimoji="1" lang="en-US" altLang="ko-KR" sz="1000" dirty="0">
+              <a:solidFill>
+                <a:schemeClr val="tx1"/>
+              </a:solidFill>
+            </a:endParaRPr>
+          </a:p>
+        </p:txBody>
+      </p:sp>
+      <p:cxnSp>
+        <p:nvCxnSpPr>
+          <p:cNvPr id="56" name="직선 화살표 연결선 55"/>
+          <p:cNvCxnSpPr>
+            <a:stCxn id="19" idx="0"/>
+          </p:cNvCxnSpPr>
+          <p:nvPr/>
+        </p:nvCxnSpPr>
+        <p:spPr>
+          <a:xfrm flipH="1" flipV="1">
+            <a:off x="6499656" y="1957377"/>
+            <a:ext cx="4636" cy="1183160"/>
+          </a:xfrm>
+          <a:prstGeom prst="straightConnector1">
+            <a:avLst/>
+          </a:prstGeom>
+          <a:ln w="38100">
+            <a:solidFill>
+              <a:schemeClr val="tx1"/>
+            </a:solidFill>
+            <a:prstDash val="sysDash"/>
+            <a:tailEnd type="triangle"/>
+          </a:ln>
+        </p:spPr>
+        <p:style>
+          <a:lnRef idx="1">
+            <a:schemeClr val="accent1"/>
+          </a:lnRef>
+          <a:fillRef idx="0">
+            <a:schemeClr val="accent1"/>
+          </a:fillRef>
+          <a:effectRef idx="0">
+            <a:schemeClr val="accent1"/>
+          </a:effectRef>
+          <a:fontRef idx="minor">
+            <a:schemeClr val="tx1"/>
+          </a:fontRef>
+        </p:style>
+      </p:cxnSp>
+      <p:cxnSp>
+        <p:nvCxnSpPr>
+          <p:cNvPr id="60" name="직선 화살표 연결선 59"/>
+          <p:cNvCxnSpPr>
+            <a:endCxn id="22" idx="0"/>
+          </p:cNvCxnSpPr>
+          <p:nvPr/>
+        </p:nvCxnSpPr>
+        <p:spPr>
+          <a:xfrm>
+            <a:off x="8309217" y="1939484"/>
+            <a:ext cx="18830" cy="792496"/>
+          </a:xfrm>
+          <a:prstGeom prst="straightConnector1">
+            <a:avLst/>
+          </a:prstGeom>
+          <a:ln w="38100">
+            <a:solidFill>
+              <a:schemeClr val="tx1"/>
+            </a:solidFill>
+            <a:prstDash val="sysDash"/>
+            <a:tailEnd type="triangle"/>
+          </a:ln>
+        </p:spPr>
+        <p:style>
+          <a:lnRef idx="1">
+            <a:schemeClr val="accent1"/>
+          </a:lnRef>
+          <a:fillRef idx="0">
+            <a:schemeClr val="accent1"/>
+          </a:fillRef>
+          <a:effectRef idx="0">
+            <a:schemeClr val="accent1"/>
+          </a:effectRef>
+          <a:fontRef idx="minor">
+            <a:schemeClr val="tx1"/>
+          </a:fontRef>
+        </p:style>
+      </p:cxnSp>
+      <p:cxnSp>
+        <p:nvCxnSpPr>
+          <p:cNvPr id="64" name="직선 화살표 연결선 63"/>
+          <p:cNvCxnSpPr>
+            <a:stCxn id="41" idx="0"/>
+          </p:cNvCxnSpPr>
+          <p:nvPr/>
+        </p:nvCxnSpPr>
+        <p:spPr>
+          <a:xfrm flipH="1" flipV="1">
+            <a:off x="9948047" y="1974472"/>
+            <a:ext cx="2878" cy="1113982"/>
+          </a:xfrm>
+          <a:prstGeom prst="straightConnector1">
+            <a:avLst/>
+          </a:prstGeom>
+          <a:ln w="38100">
+            <a:solidFill>
+              <a:schemeClr val="tx1"/>
+            </a:solidFill>
+            <a:prstDash val="sysDash"/>
+            <a:tailEnd type="triangle"/>
+          </a:ln>
+        </p:spPr>
+        <p:style>
+          <a:lnRef idx="1">
+            <a:schemeClr val="accent1"/>
+          </a:lnRef>
+          <a:fillRef idx="0">
+            <a:schemeClr val="accent1"/>
+          </a:fillRef>
+          <a:effectRef idx="0">
+            <a:schemeClr val="accent1"/>
+          </a:effectRef>
+          <a:fontRef idx="minor">
+            <a:schemeClr val="tx1"/>
+          </a:fontRef>
+        </p:style>
+      </p:cxnSp>
+      <p:sp>
+        <p:nvSpPr>
+          <p:cNvPr id="71" name="직사각형 70"/>
+          <p:cNvSpPr/>
+          <p:nvPr/>
+        </p:nvSpPr>
+        <p:spPr>
+          <a:xfrm>
+            <a:off x="1524002" y="4064239"/>
+            <a:ext cx="686239" cy="259312"/>
+          </a:xfrm>
+          <a:prstGeom prst="rect">
+            <a:avLst/>
+          </a:prstGeom>
+          <a:solidFill>
+            <a:schemeClr val="tx1"/>
+          </a:solidFill>
+        </p:spPr>
+        <p:style>
+          <a:lnRef idx="2">
+            <a:schemeClr val="accent1">
+              <a:shade val="50000"/>
+            </a:schemeClr>
+          </a:lnRef>
+          <a:fillRef idx="1">
+            <a:schemeClr val="accent1"/>
+          </a:fillRef>
+          <a:effectRef idx="0">
+            <a:schemeClr val="accent1"/>
+          </a:effectRef>
+          <a:fontRef idx="minor">
+            <a:schemeClr val="lt1"/>
+          </a:fontRef>
+        </p:style>
+        <p:txBody>
+          <a:bodyPr rtlCol="0" anchor="ctr"/>
+          <a:lstStyle/>
+          <a:p>
+            <a:pPr algn="ctr"/>
+            <a:r>
+              <a:rPr kumimoji="1" lang="en-US" altLang="ko-KR" sz="1000" smtClean="0"/>
+              <a:t>JPA</a:t>
+            </a:r>
+            <a:endParaRPr kumimoji="1" lang="ko-KR" altLang="en-US" sz="1000" dirty="0"/>
+          </a:p>
+        </p:txBody>
+      </p:sp>
+      <p:sp>
+        <p:nvSpPr>
+          <p:cNvPr id="75" name="직사각형 74"/>
+          <p:cNvSpPr/>
+          <p:nvPr/>
+        </p:nvSpPr>
+        <p:spPr>
+          <a:xfrm>
+            <a:off x="5242476" y="4064383"/>
+            <a:ext cx="686239" cy="259312"/>
+          </a:xfrm>
+          <a:prstGeom prst="rect">
+            <a:avLst/>
+          </a:prstGeom>
+          <a:solidFill>
+            <a:schemeClr val="tx1"/>
+          </a:solidFill>
+        </p:spPr>
+        <p:style>
+          <a:lnRef idx="2">
+            <a:schemeClr val="accent1">
+              <a:shade val="50000"/>
+            </a:schemeClr>
+          </a:lnRef>
+          <a:fillRef idx="1">
+            <a:schemeClr val="accent1"/>
+          </a:fillRef>
+          <a:effectRef idx="0">
+            <a:schemeClr val="accent1"/>
+          </a:effectRef>
+          <a:fontRef idx="minor">
+            <a:schemeClr val="lt1"/>
+          </a:fontRef>
+        </p:style>
+        <p:txBody>
+          <a:bodyPr rtlCol="0" anchor="ctr"/>
+          <a:lstStyle/>
+          <a:p>
+            <a:pPr algn="ctr"/>
+            <a:r>
+              <a:rPr kumimoji="1" lang="en-US" altLang="ko-KR" sz="1000" smtClean="0"/>
+              <a:t>JPA</a:t>
+            </a:r>
+            <a:endParaRPr kumimoji="1" lang="ko-KR" altLang="en-US" sz="1000" dirty="0"/>
+          </a:p>
+        </p:txBody>
+      </p:sp>
+      <p:sp>
+        <p:nvSpPr>
+          <p:cNvPr id="78" name="직사각형 77"/>
+          <p:cNvSpPr/>
+          <p:nvPr/>
+        </p:nvSpPr>
+        <p:spPr>
+          <a:xfrm>
+            <a:off x="8770730" y="4032299"/>
+            <a:ext cx="686239" cy="259312"/>
+          </a:xfrm>
+          <a:prstGeom prst="rect">
+            <a:avLst/>
+          </a:prstGeom>
+          <a:solidFill>
+            <a:schemeClr val="tx1"/>
+          </a:solidFill>
+        </p:spPr>
+        <p:style>
+          <a:lnRef idx="2">
+            <a:schemeClr val="accent1">
+              <a:shade val="50000"/>
+            </a:schemeClr>
+          </a:lnRef>
+          <a:fillRef idx="1">
+            <a:schemeClr val="accent1"/>
+          </a:fillRef>
+          <a:effectRef idx="0">
+            <a:schemeClr val="accent1"/>
+          </a:effectRef>
+          <a:fontRef idx="minor">
+            <a:schemeClr val="lt1"/>
+          </a:fontRef>
+        </p:style>
+        <p:txBody>
+          <a:bodyPr rtlCol="0" anchor="ctr"/>
+          <a:lstStyle/>
+          <a:p>
+            <a:pPr algn="ctr"/>
+            <a:r>
+              <a:rPr kumimoji="1" lang="en-US" altLang="ko-KR" sz="1000" smtClean="0"/>
+              <a:t>JPA</a:t>
+            </a:r>
+            <a:endParaRPr kumimoji="1" lang="ko-KR" altLang="en-US" sz="1000" dirty="0"/>
+          </a:p>
+        </p:txBody>
+      </p:sp>
+    </p:spTree>
+    <p:extLst>
+      <p:ext uri="{BB962C8B-B14F-4D97-AF65-F5344CB8AC3E}">
+        <p14:creationId xmlns:p14="http://schemas.microsoft.com/office/powerpoint/2010/main" val="177583538"/>
+      </p:ext>
+    </p:extLst>
+  </p:cSld>
+  <p:clrMapOvr>
+    <a:masterClrMapping/>
+  </p:clrMapOvr>
+  <p:timing>
+    <p:tnLst>
+      <p:par>
+        <p:cTn id="1" dur="indefinite" restart="never" nodeType="tmRoot"/>
+      </p:par>
+    </p:tnLst>
+  </p:timing>
+</p:sld>
+</file>
+
+<file path=ppt/slides/slide32.xml><?xml version="1.0" encoding="utf-8"?>
 <p:sld xmlns:a="http://schemas.openxmlformats.org/drawingml/2006/main" xmlns:r="http://schemas.openxmlformats.org/officeDocument/2006/relationships" xmlns:p="http://schemas.openxmlformats.org/presentationml/2006/main">
   <p:cSld>
     <p:spTree>
